--- a/slides/scusaConf2013_concurrent.pptx
+++ b/slides/scusaConf2013_concurrent.pptx
@@ -5,18 +5,21 @@
     <p:sldMasterId id="2147483648" r:id="rId1"/>
   </p:sldMasterIdLst>
   <p:notesMasterIdLst>
-    <p:notesMasterId r:id="rId11"/>
+    <p:notesMasterId r:id="rId14"/>
   </p:notesMasterIdLst>
   <p:sldIdLst>
     <p:sldId id="256" r:id="rId2"/>
-    <p:sldId id="257" r:id="rId3"/>
-    <p:sldId id="261" r:id="rId4"/>
-    <p:sldId id="262" r:id="rId5"/>
-    <p:sldId id="263" r:id="rId6"/>
-    <p:sldId id="264" r:id="rId7"/>
-    <p:sldId id="265" r:id="rId8"/>
-    <p:sldId id="266" r:id="rId9"/>
-    <p:sldId id="260" r:id="rId10"/>
+    <p:sldId id="268" r:id="rId3"/>
+    <p:sldId id="269" r:id="rId4"/>
+    <p:sldId id="267" r:id="rId5"/>
+    <p:sldId id="257" r:id="rId6"/>
+    <p:sldId id="261" r:id="rId7"/>
+    <p:sldId id="262" r:id="rId8"/>
+    <p:sldId id="263" r:id="rId9"/>
+    <p:sldId id="264" r:id="rId10"/>
+    <p:sldId id="265" r:id="rId11"/>
+    <p:sldId id="266" r:id="rId12"/>
+    <p:sldId id="260" r:id="rId13"/>
   </p:sldIdLst>
   <p:sldSz cx="9144000" cy="6858000" type="letter"/>
   <p:notesSz cx="6858000" cy="9144000"/>
@@ -200,7 +203,7 @@
           <a:p>
             <a:fld id="{33080B15-8928-4582-90B9-FB66F537D6F0}" type="datetimeFigureOut">
               <a:rPr lang="en-US" smtClean="0"/>
-              <a:t>7/24/2013</a:t>
+              <a:t>7/25/2013</a:t>
             </a:fld>
             <a:endParaRPr lang="en-US"/>
           </a:p>
@@ -2750,7 +2753,6 @@
               <a:rPr lang="en-US" sz="1800" dirty="0" smtClean="0"/>
               <a:t>Presenter: Ross  Jennings</a:t>
             </a:r>
-            <a:endParaRPr lang="en-US" sz="1800" dirty="0" smtClean="0"/>
           </a:p>
         </p:txBody>
       </p:sp>
@@ -2804,7 +2806,1947 @@
 </p:sld>
 </file>
 
+<file path=ppt/slides/slide10.xml><?xml version="1.0" encoding="utf-8"?>
+<p:sld xmlns:a="http://schemas.openxmlformats.org/drawingml/2006/main" xmlns:r="http://schemas.openxmlformats.org/officeDocument/2006/relationships" xmlns:p="http://schemas.openxmlformats.org/presentationml/2006/main">
+  <p:cSld>
+    <p:spTree>
+      <p:nvGrpSpPr>
+        <p:cNvPr id="1" name=""/>
+        <p:cNvGrpSpPr/>
+        <p:nvPr/>
+      </p:nvGrpSpPr>
+      <p:grpSpPr>
+        <a:xfrm>
+          <a:off x="0" y="0"/>
+          <a:ext cx="0" cy="0"/>
+          <a:chOff x="0" y="0"/>
+          <a:chExt cx="0" cy="0"/>
+        </a:xfrm>
+      </p:grpSpPr>
+      <p:sp>
+        <p:nvSpPr>
+          <p:cNvPr id="2" name="Title 1"/>
+          <p:cNvSpPr>
+            <a:spLocks noGrp="1"/>
+          </p:cNvSpPr>
+          <p:nvPr>
+            <p:ph type="title"/>
+          </p:nvPr>
+        </p:nvSpPr>
+        <p:spPr/>
+        <p:txBody>
+          <a:bodyPr/>
+          <a:lstStyle/>
+          <a:p>
+            <a:r>
+              <a:rPr lang="en-US" dirty="0" smtClean="0"/>
+              <a:t>Demo #2: Who moved my cheese?</a:t>
+            </a:r>
+            <a:endParaRPr lang="en-US" dirty="0"/>
+          </a:p>
+        </p:txBody>
+      </p:sp>
+      <p:sp>
+        <p:nvSpPr>
+          <p:cNvPr id="3" name="Content Placeholder 2"/>
+          <p:cNvSpPr>
+            <a:spLocks noGrp="1"/>
+          </p:cNvSpPr>
+          <p:nvPr>
+            <p:ph idx="1"/>
+          </p:nvPr>
+        </p:nvSpPr>
+        <p:spPr/>
+        <p:txBody>
+          <a:bodyPr/>
+          <a:lstStyle/>
+          <a:p>
+            <a:endParaRPr lang="en-US" dirty="0" smtClean="0"/>
+          </a:p>
+          <a:p>
+            <a:r>
+              <a:rPr lang="en-US" dirty="0" smtClean="0"/>
+              <a:t>This demo illustrates some basic concurrency problems and how to mitigate them.</a:t>
+            </a:r>
+          </a:p>
+          <a:p>
+            <a:endParaRPr lang="en-US" dirty="0"/>
+          </a:p>
+          <a:p>
+            <a:r>
+              <a:rPr lang="en-US" dirty="0" smtClean="0"/>
+              <a:t>Synchronization primitives:</a:t>
+            </a:r>
+          </a:p>
+          <a:p>
+            <a:pPr lvl="1"/>
+            <a:r>
+              <a:rPr lang="en-US" dirty="0" smtClean="0"/>
+              <a:t>Locks (</a:t>
+            </a:r>
+            <a:r>
+              <a:rPr lang="en-US" dirty="0" err="1" smtClean="0"/>
+              <a:t>Mutex</a:t>
+            </a:r>
+            <a:r>
+              <a:rPr lang="en-US" dirty="0" smtClean="0"/>
+              <a:t>) – </a:t>
+            </a:r>
+            <a:r>
+              <a:rPr lang="en-US" b="1" dirty="0" smtClean="0"/>
+              <a:t>Mut</a:t>
+            </a:r>
+            <a:r>
+              <a:rPr lang="en-US" dirty="0" smtClean="0"/>
+              <a:t>ual </a:t>
+            </a:r>
+            <a:r>
+              <a:rPr lang="en-US" b="1" dirty="0" smtClean="0"/>
+              <a:t>Ex</a:t>
+            </a:r>
+            <a:r>
+              <a:rPr lang="en-US" dirty="0" smtClean="0"/>
+              <a:t>clusion primitive. Only one thread can own the block at any one time.</a:t>
+            </a:r>
+            <a:endParaRPr lang="en-US" b="1" dirty="0" smtClean="0"/>
+          </a:p>
+          <a:p>
+            <a:pPr lvl="1"/>
+            <a:r>
+              <a:rPr lang="en-US" dirty="0" err="1" smtClean="0"/>
+              <a:t>ReaderWriterLockSlim</a:t>
+            </a:r>
+            <a:r>
+              <a:rPr lang="en-US" dirty="0" smtClean="0"/>
+              <a:t> – Different locking levels based on intent. Readers won’t block other readers, but writers will block both readers and other writers.</a:t>
+            </a:r>
+          </a:p>
+          <a:p>
+            <a:pPr lvl="1"/>
+            <a:r>
+              <a:rPr lang="en-US" dirty="0" err="1" smtClean="0"/>
+              <a:t>SemaphoreSlim</a:t>
+            </a:r>
+            <a:r>
+              <a:rPr lang="en-US" dirty="0" smtClean="0"/>
+              <a:t> – Restricts the number of concurrent </a:t>
+            </a:r>
+          </a:p>
+          <a:p>
+            <a:pPr lvl="1"/>
+            <a:r>
+              <a:rPr lang="en-US" dirty="0" err="1" smtClean="0"/>
+              <a:t>SpinWait</a:t>
+            </a:r>
+            <a:r>
+              <a:rPr lang="en-US" dirty="0" smtClean="0"/>
+              <a:t> – Busy-wait instead of yielding a processor time-slice to another thread.</a:t>
+            </a:r>
+          </a:p>
+          <a:p>
+            <a:pPr lvl="1"/>
+            <a:endParaRPr lang="en-US" dirty="0" smtClean="0"/>
+          </a:p>
+          <a:p>
+            <a:r>
+              <a:rPr lang="en-US" dirty="0" smtClean="0"/>
+              <a:t>There are lots more, but these are the most common.</a:t>
+            </a:r>
+          </a:p>
+          <a:p>
+            <a:pPr lvl="1"/>
+            <a:endParaRPr lang="en-US" dirty="0" smtClean="0"/>
+          </a:p>
+        </p:txBody>
+      </p:sp>
+      <p:sp>
+        <p:nvSpPr>
+          <p:cNvPr id="4" name="Slide Number Placeholder 3"/>
+          <p:cNvSpPr>
+            <a:spLocks noGrp="1"/>
+          </p:cNvSpPr>
+          <p:nvPr>
+            <p:ph type="sldNum" sz="quarter" idx="12"/>
+          </p:nvPr>
+        </p:nvSpPr>
+        <p:spPr/>
+        <p:txBody>
+          <a:bodyPr/>
+          <a:lstStyle/>
+          <a:p>
+            <a:fld id="{FCCE2D2B-FBD0-49C3-932E-69727B9D4F2A}" type="slidenum">
+              <a:rPr lang="en-US" smtClean="0"/>
+              <a:pPr/>
+              <a:t>10</a:t>
+            </a:fld>
+            <a:endParaRPr lang="en-US"/>
+          </a:p>
+        </p:txBody>
+      </p:sp>
+    </p:spTree>
+    <p:extLst>
+      <p:ext uri="{BB962C8B-B14F-4D97-AF65-F5344CB8AC3E}">
+        <p14:creationId xmlns:p14="http://schemas.microsoft.com/office/powerpoint/2010/main" val="1343707259"/>
+      </p:ext>
+    </p:extLst>
+  </p:cSld>
+  <p:clrMapOvr>
+    <a:masterClrMapping/>
+  </p:clrMapOvr>
+  <p:timing>
+    <p:tnLst>
+      <p:par>
+        <p:cTn id="1" dur="indefinite" restart="never" nodeType="tmRoot"/>
+      </p:par>
+    </p:tnLst>
+  </p:timing>
+</p:sld>
+</file>
+
+<file path=ppt/slides/slide11.xml><?xml version="1.0" encoding="utf-8"?>
+<p:sld xmlns:a="http://schemas.openxmlformats.org/drawingml/2006/main" xmlns:r="http://schemas.openxmlformats.org/officeDocument/2006/relationships" xmlns:p="http://schemas.openxmlformats.org/presentationml/2006/main">
+  <p:cSld>
+    <p:spTree>
+      <p:nvGrpSpPr>
+        <p:cNvPr id="1" name=""/>
+        <p:cNvGrpSpPr/>
+        <p:nvPr/>
+      </p:nvGrpSpPr>
+      <p:grpSpPr>
+        <a:xfrm>
+          <a:off x="0" y="0"/>
+          <a:ext cx="0" cy="0"/>
+          <a:chOff x="0" y="0"/>
+          <a:chExt cx="0" cy="0"/>
+        </a:xfrm>
+      </p:grpSpPr>
+      <p:sp>
+        <p:nvSpPr>
+          <p:cNvPr id="2" name="Title 1"/>
+          <p:cNvSpPr>
+            <a:spLocks noGrp="1"/>
+          </p:cNvSpPr>
+          <p:nvPr>
+            <p:ph type="title"/>
+          </p:nvPr>
+        </p:nvSpPr>
+        <p:spPr/>
+        <p:txBody>
+          <a:bodyPr/>
+          <a:lstStyle/>
+          <a:p>
+            <a:r>
+              <a:rPr lang="en-US" dirty="0" smtClean="0"/>
+              <a:t>Demo #3: SPEEEEEEEED</a:t>
+            </a:r>
+            <a:endParaRPr lang="en-US" dirty="0"/>
+          </a:p>
+        </p:txBody>
+      </p:sp>
+      <p:sp>
+        <p:nvSpPr>
+          <p:cNvPr id="3" name="Content Placeholder 2"/>
+          <p:cNvSpPr>
+            <a:spLocks noGrp="1"/>
+          </p:cNvSpPr>
+          <p:nvPr>
+            <p:ph idx="1"/>
+          </p:nvPr>
+        </p:nvSpPr>
+        <p:spPr/>
+        <p:txBody>
+          <a:bodyPr/>
+          <a:lstStyle/>
+          <a:p>
+            <a:endParaRPr lang="en-US" dirty="0" smtClean="0"/>
+          </a:p>
+          <a:p>
+            <a:endParaRPr lang="en-US" dirty="0"/>
+          </a:p>
+          <a:p>
+            <a:r>
+              <a:rPr lang="en-US" dirty="0" smtClean="0"/>
+              <a:t>Hopefully this demo doesn’t break. I threw it together in two days and I may have been trying to hit the </a:t>
+            </a:r>
+            <a:r>
+              <a:rPr lang="en-US" dirty="0" smtClean="0"/>
+              <a:t>B</a:t>
+            </a:r>
+            <a:r>
+              <a:rPr lang="en-US" dirty="0" smtClean="0"/>
+              <a:t>allmer peak during most of it.</a:t>
+            </a:r>
+          </a:p>
+          <a:p>
+            <a:endParaRPr lang="en-US" dirty="0"/>
+          </a:p>
+          <a:p>
+            <a:endParaRPr lang="en-US" dirty="0" smtClean="0"/>
+          </a:p>
+          <a:p>
+            <a:endParaRPr lang="en-US" dirty="0"/>
+          </a:p>
+        </p:txBody>
+      </p:sp>
+      <p:sp>
+        <p:nvSpPr>
+          <p:cNvPr id="4" name="Slide Number Placeholder 3"/>
+          <p:cNvSpPr>
+            <a:spLocks noGrp="1"/>
+          </p:cNvSpPr>
+          <p:nvPr>
+            <p:ph type="sldNum" sz="quarter" idx="12"/>
+          </p:nvPr>
+        </p:nvSpPr>
+        <p:spPr/>
+        <p:txBody>
+          <a:bodyPr/>
+          <a:lstStyle/>
+          <a:p>
+            <a:fld id="{FCCE2D2B-FBD0-49C3-932E-69727B9D4F2A}" type="slidenum">
+              <a:rPr lang="en-US" smtClean="0"/>
+              <a:pPr/>
+              <a:t>11</a:t>
+            </a:fld>
+            <a:endParaRPr lang="en-US"/>
+          </a:p>
+        </p:txBody>
+      </p:sp>
+      <p:pic>
+        <p:nvPicPr>
+          <p:cNvPr id="5" name="Picture 4"/>
+          <p:cNvPicPr>
+            <a:picLocks noChangeAspect="1"/>
+          </p:cNvPicPr>
+          <p:nvPr/>
+        </p:nvPicPr>
+        <p:blipFill>
+          <a:blip r:embed="rId2">
+            <a:extLst>
+              <a:ext uri="{28A0092B-C50C-407E-A947-70E740481C1C}">
+                <a14:useLocalDpi xmlns:a14="http://schemas.microsoft.com/office/drawing/2010/main" val="0"/>
+              </a:ext>
+            </a:extLst>
+          </a:blip>
+          <a:stretch>
+            <a:fillRect/>
+          </a:stretch>
+        </p:blipFill>
+        <p:spPr>
+          <a:xfrm>
+            <a:off x="76200" y="730678"/>
+            <a:ext cx="8991600" cy="6051122"/>
+          </a:xfrm>
+          <a:prstGeom prst="rect">
+            <a:avLst/>
+          </a:prstGeom>
+        </p:spPr>
+      </p:pic>
+    </p:spTree>
+    <p:extLst>
+      <p:ext uri="{BB962C8B-B14F-4D97-AF65-F5344CB8AC3E}">
+        <p14:creationId xmlns:p14="http://schemas.microsoft.com/office/powerpoint/2010/main" val="2168402182"/>
+      </p:ext>
+    </p:extLst>
+  </p:cSld>
+  <p:clrMapOvr>
+    <a:masterClrMapping/>
+  </p:clrMapOvr>
+  <p:timing>
+    <p:tnLst>
+      <p:par>
+        <p:cTn id="1" dur="indefinite" restart="never" nodeType="tmRoot">
+          <p:childTnLst>
+            <p:seq concurrent="1" nextAc="seek">
+              <p:cTn id="2" dur="indefinite" nodeType="mainSeq">
+                <p:childTnLst>
+                  <p:par>
+                    <p:cTn id="3" fill="hold">
+                      <p:stCondLst>
+                        <p:cond delay="indefinite"/>
+                      </p:stCondLst>
+                      <p:childTnLst>
+                        <p:par>
+                          <p:cTn id="4" fill="hold">
+                            <p:stCondLst>
+                              <p:cond delay="0"/>
+                            </p:stCondLst>
+                            <p:childTnLst>
+                              <p:par>
+                                <p:cTn id="5" presetID="1" presetClass="entr" presetSubtype="0" fill="hold" grpId="0" nodeType="clickEffect">
+                                  <p:stCondLst>
+                                    <p:cond delay="0"/>
+                                  </p:stCondLst>
+                                  <p:childTnLst>
+                                    <p:set>
+                                      <p:cBhvr>
+                                        <p:cTn id="6" dur="1" fill="hold">
+                                          <p:stCondLst>
+                                            <p:cond delay="0"/>
+                                          </p:stCondLst>
+                                        </p:cTn>
+                                        <p:tgtEl>
+                                          <p:spTgt spid="3">
+                                            <p:txEl>
+                                              <p:pRg st="2" end="2"/>
+                                            </p:txEl>
+                                          </p:spTgt>
+                                        </p:tgtEl>
+                                        <p:attrNameLst>
+                                          <p:attrName>style.visibility</p:attrName>
+                                        </p:attrNameLst>
+                                      </p:cBhvr>
+                                      <p:to>
+                                        <p:strVal val="visible"/>
+                                      </p:to>
+                                    </p:set>
+                                  </p:childTnLst>
+                                </p:cTn>
+                              </p:par>
+                            </p:childTnLst>
+                          </p:cTn>
+                        </p:par>
+                      </p:childTnLst>
+                    </p:cTn>
+                  </p:par>
+                  <p:par>
+                    <p:cTn id="7" fill="hold">
+                      <p:stCondLst>
+                        <p:cond delay="indefinite"/>
+                      </p:stCondLst>
+                      <p:childTnLst>
+                        <p:par>
+                          <p:cTn id="8" fill="hold">
+                            <p:stCondLst>
+                              <p:cond delay="0"/>
+                            </p:stCondLst>
+                            <p:childTnLst>
+                              <p:par>
+                                <p:cTn id="9" presetID="1" presetClass="entr" presetSubtype="0" fill="hold" nodeType="clickEffect">
+                                  <p:stCondLst>
+                                    <p:cond delay="0"/>
+                                  </p:stCondLst>
+                                  <p:childTnLst>
+                                    <p:set>
+                                      <p:cBhvr>
+                                        <p:cTn id="10" dur="1" fill="hold">
+                                          <p:stCondLst>
+                                            <p:cond delay="0"/>
+                                          </p:stCondLst>
+                                        </p:cTn>
+                                        <p:tgtEl>
+                                          <p:spTgt spid="5"/>
+                                        </p:tgtEl>
+                                        <p:attrNameLst>
+                                          <p:attrName>style.visibility</p:attrName>
+                                        </p:attrNameLst>
+                                      </p:cBhvr>
+                                      <p:to>
+                                        <p:strVal val="visible"/>
+                                      </p:to>
+                                    </p:set>
+                                  </p:childTnLst>
+                                </p:cTn>
+                              </p:par>
+                            </p:childTnLst>
+                          </p:cTn>
+                        </p:par>
+                      </p:childTnLst>
+                    </p:cTn>
+                  </p:par>
+                </p:childTnLst>
+              </p:cTn>
+              <p:prevCondLst>
+                <p:cond evt="onPrev" delay="0">
+                  <p:tgtEl>
+                    <p:sldTgt/>
+                  </p:tgtEl>
+                </p:cond>
+              </p:prevCondLst>
+              <p:nextCondLst>
+                <p:cond evt="onNext" delay="0">
+                  <p:tgtEl>
+                    <p:sldTgt/>
+                  </p:tgtEl>
+                </p:cond>
+              </p:nextCondLst>
+            </p:seq>
+          </p:childTnLst>
+        </p:cTn>
+      </p:par>
+    </p:tnLst>
+    <p:bldLst>
+      <p:bldP spid="3" grpId="0" build="p"/>
+    </p:bldLst>
+  </p:timing>
+</p:sld>
+</file>
+
+<file path=ppt/slides/slide12.xml><?xml version="1.0" encoding="utf-8"?>
+<p:sld xmlns:a="http://schemas.openxmlformats.org/drawingml/2006/main" xmlns:r="http://schemas.openxmlformats.org/officeDocument/2006/relationships" xmlns:p="http://schemas.openxmlformats.org/presentationml/2006/main">
+  <p:cSld>
+    <p:spTree>
+      <p:nvGrpSpPr>
+        <p:cNvPr id="1" name=""/>
+        <p:cNvGrpSpPr/>
+        <p:nvPr/>
+      </p:nvGrpSpPr>
+      <p:grpSpPr>
+        <a:xfrm>
+          <a:off x="0" y="0"/>
+          <a:ext cx="0" cy="0"/>
+          <a:chOff x="0" y="0"/>
+          <a:chExt cx="0" cy="0"/>
+        </a:xfrm>
+      </p:grpSpPr>
+      <p:sp>
+        <p:nvSpPr>
+          <p:cNvPr id="5" name="TextBox 4"/>
+          <p:cNvSpPr txBox="1"/>
+          <p:nvPr/>
+        </p:nvSpPr>
+        <p:spPr>
+          <a:xfrm>
+            <a:off x="152400" y="4267200"/>
+            <a:ext cx="8915400" cy="1754326"/>
+          </a:xfrm>
+          <a:prstGeom prst="rect">
+            <a:avLst/>
+          </a:prstGeom>
+          <a:noFill/>
+        </p:spPr>
+        <p:txBody>
+          <a:bodyPr wrap="square" rtlCol="0">
+            <a:spAutoFit/>
+          </a:bodyPr>
+          <a:lstStyle/>
+          <a:p>
+            <a:pPr algn="ctr"/>
+            <a:r>
+              <a:rPr lang="en-US" sz="3600" dirty="0" smtClean="0">
+                <a:solidFill>
+                  <a:schemeClr val="accent4">
+                    <a:lumMod val="75000"/>
+                  </a:schemeClr>
+                </a:solidFill>
+              </a:rPr>
+              <a:t>Special thanks to Steve Youmans for writing so much slow code I decided to become a performance nerd!</a:t>
+            </a:r>
+            <a:endParaRPr lang="en-US" sz="3600" dirty="0">
+              <a:solidFill>
+                <a:schemeClr val="accent4">
+                  <a:lumMod val="75000"/>
+                </a:schemeClr>
+              </a:solidFill>
+            </a:endParaRPr>
+          </a:p>
+        </p:txBody>
+      </p:sp>
+      <p:sp>
+        <p:nvSpPr>
+          <p:cNvPr id="2" name="TextBox 1"/>
+          <p:cNvSpPr txBox="1"/>
+          <p:nvPr/>
+        </p:nvSpPr>
+        <p:spPr>
+          <a:xfrm>
+            <a:off x="1828800" y="914400"/>
+            <a:ext cx="4987263" cy="369332"/>
+          </a:xfrm>
+          <a:prstGeom prst="rect">
+            <a:avLst/>
+          </a:prstGeom>
+          <a:noFill/>
+        </p:spPr>
+        <p:txBody>
+          <a:bodyPr wrap="none" rtlCol="0" anchor="ctr">
+            <a:spAutoFit/>
+          </a:bodyPr>
+          <a:lstStyle/>
+          <a:p>
+            <a:r>
+              <a:rPr lang="en-US" dirty="0" smtClean="0"/>
+              <a:t>For further reading, check out the PFX team blog:</a:t>
+            </a:r>
+            <a:endParaRPr lang="en-US" dirty="0"/>
+          </a:p>
+        </p:txBody>
+      </p:sp>
+      <p:sp>
+        <p:nvSpPr>
+          <p:cNvPr id="3" name="Rectangle 2"/>
+          <p:cNvSpPr/>
+          <p:nvPr/>
+        </p:nvSpPr>
+        <p:spPr>
+          <a:xfrm>
+            <a:off x="2006488" y="1402318"/>
+            <a:ext cx="4631885" cy="461665"/>
+          </a:xfrm>
+          <a:prstGeom prst="rect">
+            <a:avLst/>
+          </a:prstGeom>
+        </p:spPr>
+        <p:txBody>
+          <a:bodyPr wrap="square" anchor="ctr">
+            <a:spAutoFit/>
+          </a:bodyPr>
+          <a:lstStyle/>
+          <a:p>
+            <a:r>
+              <a:rPr lang="en-US" sz="2400" dirty="0">
+                <a:hlinkClick r:id="rId2"/>
+              </a:rPr>
+              <a:t>http://blogs.msdn.com/b/pfxteam/</a:t>
+            </a:r>
+            <a:endParaRPr lang="en-US" sz="2400" dirty="0"/>
+          </a:p>
+        </p:txBody>
+      </p:sp>
+    </p:spTree>
+    <p:extLst>
+      <p:ext uri="{BB962C8B-B14F-4D97-AF65-F5344CB8AC3E}">
+        <p14:creationId xmlns:p14="http://schemas.microsoft.com/office/powerpoint/2010/main" val="3746776405"/>
+      </p:ext>
+    </p:extLst>
+  </p:cSld>
+  <p:clrMapOvr>
+    <a:masterClrMapping/>
+  </p:clrMapOvr>
+  <p:timing>
+    <p:tnLst>
+      <p:par>
+        <p:cTn id="1" dur="indefinite" restart="never" nodeType="tmRoot">
+          <p:childTnLst>
+            <p:seq concurrent="1" nextAc="seek">
+              <p:cTn id="2" dur="indefinite" nodeType="mainSeq">
+                <p:childTnLst>
+                  <p:par>
+                    <p:cTn id="3" fill="hold">
+                      <p:stCondLst>
+                        <p:cond delay="indefinite"/>
+                      </p:stCondLst>
+                      <p:childTnLst>
+                        <p:par>
+                          <p:cTn id="4" fill="hold">
+                            <p:stCondLst>
+                              <p:cond delay="0"/>
+                            </p:stCondLst>
+                            <p:childTnLst>
+                              <p:par>
+                                <p:cTn id="5" presetID="42" presetClass="entr" presetSubtype="0" fill="hold" grpId="0" nodeType="clickEffect">
+                                  <p:stCondLst>
+                                    <p:cond delay="0"/>
+                                  </p:stCondLst>
+                                  <p:childTnLst>
+                                    <p:set>
+                                      <p:cBhvr>
+                                        <p:cTn id="6" dur="1" fill="hold">
+                                          <p:stCondLst>
+                                            <p:cond delay="0"/>
+                                          </p:stCondLst>
+                                        </p:cTn>
+                                        <p:tgtEl>
+                                          <p:spTgt spid="5"/>
+                                        </p:tgtEl>
+                                        <p:attrNameLst>
+                                          <p:attrName>style.visibility</p:attrName>
+                                        </p:attrNameLst>
+                                      </p:cBhvr>
+                                      <p:to>
+                                        <p:strVal val="visible"/>
+                                      </p:to>
+                                    </p:set>
+                                    <p:animEffect transition="in" filter="fade">
+                                      <p:cBhvr>
+                                        <p:cTn id="7" dur="1000"/>
+                                        <p:tgtEl>
+                                          <p:spTgt spid="5"/>
+                                        </p:tgtEl>
+                                      </p:cBhvr>
+                                    </p:animEffect>
+                                    <p:anim calcmode="lin" valueType="num">
+                                      <p:cBhvr>
+                                        <p:cTn id="8" dur="1000" fill="hold"/>
+                                        <p:tgtEl>
+                                          <p:spTgt spid="5"/>
+                                        </p:tgtEl>
+                                        <p:attrNameLst>
+                                          <p:attrName>ppt_x</p:attrName>
+                                        </p:attrNameLst>
+                                      </p:cBhvr>
+                                      <p:tavLst>
+                                        <p:tav tm="0">
+                                          <p:val>
+                                            <p:strVal val="#ppt_x"/>
+                                          </p:val>
+                                        </p:tav>
+                                        <p:tav tm="100000">
+                                          <p:val>
+                                            <p:strVal val="#ppt_x"/>
+                                          </p:val>
+                                        </p:tav>
+                                      </p:tavLst>
+                                    </p:anim>
+                                    <p:anim calcmode="lin" valueType="num">
+                                      <p:cBhvr>
+                                        <p:cTn id="9" dur="1000" fill="hold"/>
+                                        <p:tgtEl>
+                                          <p:spTgt spid="5"/>
+                                        </p:tgtEl>
+                                        <p:attrNameLst>
+                                          <p:attrName>ppt_y</p:attrName>
+                                        </p:attrNameLst>
+                                      </p:cBhvr>
+                                      <p:tavLst>
+                                        <p:tav tm="0">
+                                          <p:val>
+                                            <p:strVal val="#ppt_y+.1"/>
+                                          </p:val>
+                                        </p:tav>
+                                        <p:tav tm="100000">
+                                          <p:val>
+                                            <p:strVal val="#ppt_y"/>
+                                          </p:val>
+                                        </p:tav>
+                                      </p:tavLst>
+                                    </p:anim>
+                                  </p:childTnLst>
+                                </p:cTn>
+                              </p:par>
+                            </p:childTnLst>
+                          </p:cTn>
+                        </p:par>
+                      </p:childTnLst>
+                    </p:cTn>
+                  </p:par>
+                </p:childTnLst>
+              </p:cTn>
+              <p:prevCondLst>
+                <p:cond evt="onPrev" delay="0">
+                  <p:tgtEl>
+                    <p:sldTgt/>
+                  </p:tgtEl>
+                </p:cond>
+              </p:prevCondLst>
+              <p:nextCondLst>
+                <p:cond evt="onNext" delay="0">
+                  <p:tgtEl>
+                    <p:sldTgt/>
+                  </p:tgtEl>
+                </p:cond>
+              </p:nextCondLst>
+            </p:seq>
+          </p:childTnLst>
+        </p:cTn>
+      </p:par>
+    </p:tnLst>
+    <p:bldLst>
+      <p:bldP spid="5" grpId="0"/>
+    </p:bldLst>
+  </p:timing>
+</p:sld>
+</file>
+
 <file path=ppt/slides/slide2.xml><?xml version="1.0" encoding="utf-8"?>
+<p:sld xmlns:a="http://schemas.openxmlformats.org/drawingml/2006/main" xmlns:r="http://schemas.openxmlformats.org/officeDocument/2006/relationships" xmlns:p="http://schemas.openxmlformats.org/presentationml/2006/main">
+  <p:cSld>
+    <p:spTree>
+      <p:nvGrpSpPr>
+        <p:cNvPr id="1" name=""/>
+        <p:cNvGrpSpPr/>
+        <p:nvPr/>
+      </p:nvGrpSpPr>
+      <p:grpSpPr>
+        <a:xfrm>
+          <a:off x="0" y="0"/>
+          <a:ext cx="0" cy="0"/>
+          <a:chOff x="0" y="0"/>
+          <a:chExt cx="0" cy="0"/>
+        </a:xfrm>
+      </p:grpSpPr>
+      <p:sp>
+        <p:nvSpPr>
+          <p:cNvPr id="2" name="Title 1"/>
+          <p:cNvSpPr>
+            <a:spLocks noGrp="1"/>
+          </p:cNvSpPr>
+          <p:nvPr>
+            <p:ph type="title"/>
+          </p:nvPr>
+        </p:nvSpPr>
+        <p:spPr/>
+        <p:txBody>
+          <a:bodyPr/>
+          <a:lstStyle/>
+          <a:p>
+            <a:r>
+              <a:rPr lang="en-US" dirty="0" smtClean="0"/>
+              <a:t>This is not me.</a:t>
+            </a:r>
+            <a:endParaRPr lang="en-US" dirty="0"/>
+          </a:p>
+        </p:txBody>
+      </p:sp>
+      <p:pic>
+        <p:nvPicPr>
+          <p:cNvPr id="5" name="Content Placeholder 4"/>
+          <p:cNvPicPr>
+            <a:picLocks noGrp="1" noChangeAspect="1"/>
+          </p:cNvPicPr>
+          <p:nvPr>
+            <p:ph idx="1"/>
+          </p:nvPr>
+        </p:nvPicPr>
+        <p:blipFill>
+          <a:blip r:embed="rId2" cstate="print">
+            <a:extLst>
+              <a:ext uri="{28A0092B-C50C-407E-A947-70E740481C1C}">
+                <a14:useLocalDpi xmlns:a14="http://schemas.microsoft.com/office/drawing/2010/main" val="0"/>
+              </a:ext>
+            </a:extLst>
+          </a:blip>
+          <a:stretch>
+            <a:fillRect/>
+          </a:stretch>
+        </p:blipFill>
+        <p:spPr>
+          <a:xfrm>
+            <a:off x="2209800" y="914400"/>
+            <a:ext cx="5029200" cy="5029200"/>
+          </a:xfrm>
+        </p:spPr>
+      </p:pic>
+      <p:sp>
+        <p:nvSpPr>
+          <p:cNvPr id="4" name="Slide Number Placeholder 3"/>
+          <p:cNvSpPr>
+            <a:spLocks noGrp="1"/>
+          </p:cNvSpPr>
+          <p:nvPr>
+            <p:ph type="sldNum" sz="quarter" idx="12"/>
+          </p:nvPr>
+        </p:nvSpPr>
+        <p:spPr/>
+        <p:txBody>
+          <a:bodyPr/>
+          <a:lstStyle/>
+          <a:p>
+            <a:fld id="{FCCE2D2B-FBD0-49C3-932E-69727B9D4F2A}" type="slidenum">
+              <a:rPr lang="en-US" smtClean="0"/>
+              <a:pPr/>
+              <a:t>2</a:t>
+            </a:fld>
+            <a:endParaRPr lang="en-US"/>
+          </a:p>
+        </p:txBody>
+      </p:sp>
+      <p:sp>
+        <p:nvSpPr>
+          <p:cNvPr id="6" name="Rectangle 5"/>
+          <p:cNvSpPr/>
+          <p:nvPr/>
+        </p:nvSpPr>
+        <p:spPr>
+          <a:xfrm>
+            <a:off x="2895600" y="4953000"/>
+            <a:ext cx="4051109" cy="707886"/>
+          </a:xfrm>
+          <a:prstGeom prst="rect">
+            <a:avLst/>
+          </a:prstGeom>
+        </p:spPr>
+        <p:txBody>
+          <a:bodyPr wrap="none">
+            <a:spAutoFit/>
+          </a:bodyPr>
+          <a:lstStyle/>
+          <a:p>
+            <a:r>
+              <a:rPr lang="en-US" sz="4000" b="1" dirty="0" smtClean="0">
+                <a:ln w="17780" cmpd="sng">
+                  <a:solidFill>
+                    <a:srgbClr val="FFFFFF"/>
+                  </a:solidFill>
+                  <a:prstDash val="solid"/>
+                  <a:miter lim="800000"/>
+                </a:ln>
+                <a:gradFill rotWithShape="1">
+                  <a:gsLst>
+                    <a:gs pos="0">
+                      <a:srgbClr val="000000">
+                        <a:tint val="92000"/>
+                        <a:shade val="100000"/>
+                        <a:satMod val="150000"/>
+                      </a:srgbClr>
+                    </a:gs>
+                    <a:gs pos="49000">
+                      <a:srgbClr val="000000">
+                        <a:tint val="89000"/>
+                        <a:shade val="90000"/>
+                        <a:satMod val="150000"/>
+                      </a:srgbClr>
+                    </a:gs>
+                    <a:gs pos="50000">
+                      <a:srgbClr val="000000">
+                        <a:tint val="100000"/>
+                        <a:shade val="75000"/>
+                        <a:satMod val="150000"/>
+                      </a:srgbClr>
+                    </a:gs>
+                    <a:gs pos="95000">
+                      <a:srgbClr val="000000">
+                        <a:shade val="47000"/>
+                        <a:satMod val="150000"/>
+                      </a:srgbClr>
+                    </a:gs>
+                    <a:gs pos="100000">
+                      <a:srgbClr val="000000">
+                        <a:shade val="39000"/>
+                        <a:satMod val="150000"/>
+                      </a:srgbClr>
+                    </a:gs>
+                  </a:gsLst>
+                  <a:lin ang="5400000"/>
+                </a:gradFill>
+                <a:effectLst>
+                  <a:outerShdw blurRad="50800" algn="tl" rotWithShape="0">
+                    <a:srgbClr val="000000"/>
+                  </a:outerShdw>
+                </a:effectLst>
+              </a:rPr>
+              <a:t>Edward Snowden</a:t>
+            </a:r>
+            <a:endParaRPr lang="en-US" sz="4000" b="1" dirty="0">
+              <a:ln w="17780" cmpd="sng">
+                <a:solidFill>
+                  <a:srgbClr val="FFFFFF"/>
+                </a:solidFill>
+                <a:prstDash val="solid"/>
+                <a:miter lim="800000"/>
+              </a:ln>
+              <a:gradFill rotWithShape="1">
+                <a:gsLst>
+                  <a:gs pos="0">
+                    <a:srgbClr val="000000">
+                      <a:tint val="92000"/>
+                      <a:shade val="100000"/>
+                      <a:satMod val="150000"/>
+                    </a:srgbClr>
+                  </a:gs>
+                  <a:gs pos="49000">
+                    <a:srgbClr val="000000">
+                      <a:tint val="89000"/>
+                      <a:shade val="90000"/>
+                      <a:satMod val="150000"/>
+                    </a:srgbClr>
+                  </a:gs>
+                  <a:gs pos="50000">
+                    <a:srgbClr val="000000">
+                      <a:tint val="100000"/>
+                      <a:shade val="75000"/>
+                      <a:satMod val="150000"/>
+                    </a:srgbClr>
+                  </a:gs>
+                  <a:gs pos="95000">
+                    <a:srgbClr val="000000">
+                      <a:shade val="47000"/>
+                      <a:satMod val="150000"/>
+                    </a:srgbClr>
+                  </a:gs>
+                  <a:gs pos="100000">
+                    <a:srgbClr val="000000">
+                      <a:shade val="39000"/>
+                      <a:satMod val="150000"/>
+                    </a:srgbClr>
+                  </a:gs>
+                </a:gsLst>
+                <a:lin ang="5400000"/>
+              </a:gradFill>
+              <a:effectLst>
+                <a:outerShdw blurRad="50800" algn="tl" rotWithShape="0">
+                  <a:srgbClr val="000000"/>
+                </a:outerShdw>
+              </a:effectLst>
+            </a:endParaRPr>
+          </a:p>
+        </p:txBody>
+      </p:sp>
+    </p:spTree>
+    <p:extLst>
+      <p:ext uri="{BB962C8B-B14F-4D97-AF65-F5344CB8AC3E}">
+        <p14:creationId xmlns:p14="http://schemas.microsoft.com/office/powerpoint/2010/main" val="3344180998"/>
+      </p:ext>
+    </p:extLst>
+  </p:cSld>
+  <p:clrMapOvr>
+    <a:masterClrMapping/>
+  </p:clrMapOvr>
+  <p:timing>
+    <p:tnLst>
+      <p:par>
+        <p:cTn id="1" dur="indefinite" restart="never" nodeType="tmRoot">
+          <p:childTnLst>
+            <p:seq concurrent="1" nextAc="seek">
+              <p:cTn id="2" dur="indefinite" nodeType="mainSeq">
+                <p:childTnLst>
+                  <p:par>
+                    <p:cTn id="3" fill="hold">
+                      <p:stCondLst>
+                        <p:cond delay="indefinite"/>
+                      </p:stCondLst>
+                      <p:childTnLst>
+                        <p:par>
+                          <p:cTn id="4" fill="hold">
+                            <p:stCondLst>
+                              <p:cond delay="0"/>
+                            </p:stCondLst>
+                            <p:childTnLst>
+                              <p:par>
+                                <p:cTn id="5" presetID="1" presetClass="entr" presetSubtype="0" fill="hold" nodeType="clickEffect">
+                                  <p:stCondLst>
+                                    <p:cond delay="0"/>
+                                  </p:stCondLst>
+                                  <p:childTnLst>
+                                    <p:set>
+                                      <p:cBhvr>
+                                        <p:cTn id="6" dur="1" fill="hold">
+                                          <p:stCondLst>
+                                            <p:cond delay="0"/>
+                                          </p:stCondLst>
+                                        </p:cTn>
+                                        <p:tgtEl>
+                                          <p:spTgt spid="5"/>
+                                        </p:tgtEl>
+                                        <p:attrNameLst>
+                                          <p:attrName>style.visibility</p:attrName>
+                                        </p:attrNameLst>
+                                      </p:cBhvr>
+                                      <p:to>
+                                        <p:strVal val="visible"/>
+                                      </p:to>
+                                    </p:set>
+                                  </p:childTnLst>
+                                </p:cTn>
+                              </p:par>
+                            </p:childTnLst>
+                          </p:cTn>
+                        </p:par>
+                      </p:childTnLst>
+                    </p:cTn>
+                  </p:par>
+                  <p:par>
+                    <p:cTn id="7" fill="hold">
+                      <p:stCondLst>
+                        <p:cond delay="indefinite"/>
+                      </p:stCondLst>
+                      <p:childTnLst>
+                        <p:par>
+                          <p:cTn id="8" fill="hold">
+                            <p:stCondLst>
+                              <p:cond delay="0"/>
+                            </p:stCondLst>
+                            <p:childTnLst>
+                              <p:par>
+                                <p:cTn id="9" presetID="1" presetClass="entr" presetSubtype="0" fill="hold" grpId="0" nodeType="clickEffect">
+                                  <p:stCondLst>
+                                    <p:cond delay="0"/>
+                                  </p:stCondLst>
+                                  <p:childTnLst>
+                                    <p:set>
+                                      <p:cBhvr>
+                                        <p:cTn id="10" dur="1" fill="hold">
+                                          <p:stCondLst>
+                                            <p:cond delay="0"/>
+                                          </p:stCondLst>
+                                        </p:cTn>
+                                        <p:tgtEl>
+                                          <p:spTgt spid="6"/>
+                                        </p:tgtEl>
+                                        <p:attrNameLst>
+                                          <p:attrName>style.visibility</p:attrName>
+                                        </p:attrNameLst>
+                                      </p:cBhvr>
+                                      <p:to>
+                                        <p:strVal val="visible"/>
+                                      </p:to>
+                                    </p:set>
+                                  </p:childTnLst>
+                                </p:cTn>
+                              </p:par>
+                            </p:childTnLst>
+                          </p:cTn>
+                        </p:par>
+                      </p:childTnLst>
+                    </p:cTn>
+                  </p:par>
+                </p:childTnLst>
+              </p:cTn>
+              <p:prevCondLst>
+                <p:cond evt="onPrev" delay="0">
+                  <p:tgtEl>
+                    <p:sldTgt/>
+                  </p:tgtEl>
+                </p:cond>
+              </p:prevCondLst>
+              <p:nextCondLst>
+                <p:cond evt="onNext" delay="0">
+                  <p:tgtEl>
+                    <p:sldTgt/>
+                  </p:tgtEl>
+                </p:cond>
+              </p:nextCondLst>
+            </p:seq>
+          </p:childTnLst>
+        </p:cTn>
+      </p:par>
+    </p:tnLst>
+    <p:bldLst>
+      <p:bldP spid="6" grpId="0"/>
+    </p:bldLst>
+  </p:timing>
+</p:sld>
+</file>
+
+<file path=ppt/slides/slide3.xml><?xml version="1.0" encoding="utf-8"?>
+<p:sld xmlns:a="http://schemas.openxmlformats.org/drawingml/2006/main" xmlns:r="http://schemas.openxmlformats.org/officeDocument/2006/relationships" xmlns:p="http://schemas.openxmlformats.org/presentationml/2006/main">
+  <p:cSld>
+    <p:spTree>
+      <p:nvGrpSpPr>
+        <p:cNvPr id="1" name=""/>
+        <p:cNvGrpSpPr/>
+        <p:nvPr/>
+      </p:nvGrpSpPr>
+      <p:grpSpPr>
+        <a:xfrm>
+          <a:off x="0" y="0"/>
+          <a:ext cx="0" cy="0"/>
+          <a:chOff x="0" y="0"/>
+          <a:chExt cx="0" cy="0"/>
+        </a:xfrm>
+      </p:grpSpPr>
+      <p:sp>
+        <p:nvSpPr>
+          <p:cNvPr id="2" name="Title 1"/>
+          <p:cNvSpPr>
+            <a:spLocks noGrp="1"/>
+          </p:cNvSpPr>
+          <p:nvPr>
+            <p:ph type="title"/>
+          </p:nvPr>
+        </p:nvSpPr>
+        <p:spPr/>
+        <p:txBody>
+          <a:bodyPr/>
+          <a:lstStyle/>
+          <a:p>
+            <a:r>
+              <a:rPr lang="en-US" dirty="0" smtClean="0"/>
+              <a:t>Clearly, very different people.</a:t>
+            </a:r>
+            <a:endParaRPr lang="en-US" dirty="0"/>
+          </a:p>
+        </p:txBody>
+      </p:sp>
+      <p:pic>
+        <p:nvPicPr>
+          <p:cNvPr id="5" name="Content Placeholder 4"/>
+          <p:cNvPicPr>
+            <a:picLocks noGrp="1" noChangeAspect="1"/>
+          </p:cNvPicPr>
+          <p:nvPr>
+            <p:ph idx="1"/>
+          </p:nvPr>
+        </p:nvPicPr>
+        <p:blipFill>
+          <a:blip r:embed="rId2">
+            <a:extLst>
+              <a:ext uri="{28A0092B-C50C-407E-A947-70E740481C1C}">
+                <a14:useLocalDpi xmlns:a14="http://schemas.microsoft.com/office/drawing/2010/main" val="0"/>
+              </a:ext>
+            </a:extLst>
+          </a:blip>
+          <a:stretch>
+            <a:fillRect/>
+          </a:stretch>
+        </p:blipFill>
+        <p:spPr>
+          <a:xfrm>
+            <a:off x="1600200" y="762000"/>
+            <a:ext cx="5486400" cy="5486400"/>
+          </a:xfrm>
+        </p:spPr>
+      </p:pic>
+      <p:sp>
+        <p:nvSpPr>
+          <p:cNvPr id="4" name="Slide Number Placeholder 3"/>
+          <p:cNvSpPr>
+            <a:spLocks noGrp="1"/>
+          </p:cNvSpPr>
+          <p:nvPr>
+            <p:ph type="sldNum" sz="quarter" idx="12"/>
+          </p:nvPr>
+        </p:nvSpPr>
+        <p:spPr/>
+        <p:txBody>
+          <a:bodyPr/>
+          <a:lstStyle/>
+          <a:p>
+            <a:fld id="{FCCE2D2B-FBD0-49C3-932E-69727B9D4F2A}" type="slidenum">
+              <a:rPr lang="en-US" smtClean="0"/>
+              <a:pPr/>
+              <a:t>3</a:t>
+            </a:fld>
+            <a:endParaRPr lang="en-US"/>
+          </a:p>
+        </p:txBody>
+      </p:sp>
+      <p:sp>
+        <p:nvSpPr>
+          <p:cNvPr id="6" name="TextBox 5"/>
+          <p:cNvSpPr txBox="1"/>
+          <p:nvPr/>
+        </p:nvSpPr>
+        <p:spPr>
+          <a:xfrm>
+            <a:off x="2438400" y="5285509"/>
+            <a:ext cx="4953000" cy="830997"/>
+          </a:xfrm>
+          <a:prstGeom prst="rect">
+            <a:avLst/>
+          </a:prstGeom>
+          <a:noFill/>
+        </p:spPr>
+        <p:txBody>
+          <a:bodyPr wrap="square" rtlCol="0">
+            <a:spAutoFit/>
+          </a:bodyPr>
+          <a:lstStyle/>
+          <a:p>
+            <a:r>
+              <a:rPr lang="en-US" sz="4800" b="1" dirty="0" smtClean="0">
+                <a:ln w="17780" cmpd="sng">
+                  <a:solidFill>
+                    <a:srgbClr val="FFFFFF"/>
+                  </a:solidFill>
+                  <a:prstDash val="solid"/>
+                  <a:miter lim="800000"/>
+                </a:ln>
+                <a:gradFill rotWithShape="1">
+                  <a:gsLst>
+                    <a:gs pos="0">
+                      <a:srgbClr val="000000">
+                        <a:tint val="92000"/>
+                        <a:shade val="100000"/>
+                        <a:satMod val="150000"/>
+                      </a:srgbClr>
+                    </a:gs>
+                    <a:gs pos="49000">
+                      <a:srgbClr val="000000">
+                        <a:tint val="89000"/>
+                        <a:shade val="90000"/>
+                        <a:satMod val="150000"/>
+                      </a:srgbClr>
+                    </a:gs>
+                    <a:gs pos="50000">
+                      <a:srgbClr val="000000">
+                        <a:tint val="100000"/>
+                        <a:shade val="75000"/>
+                        <a:satMod val="150000"/>
+                      </a:srgbClr>
+                    </a:gs>
+                    <a:gs pos="95000">
+                      <a:srgbClr val="000000">
+                        <a:shade val="47000"/>
+                        <a:satMod val="150000"/>
+                      </a:srgbClr>
+                    </a:gs>
+                    <a:gs pos="100000">
+                      <a:srgbClr val="000000">
+                        <a:shade val="39000"/>
+                        <a:satMod val="150000"/>
+                      </a:srgbClr>
+                    </a:gs>
+                  </a:gsLst>
+                  <a:lin ang="5400000"/>
+                </a:gradFill>
+                <a:effectLst>
+                  <a:outerShdw blurRad="50800" algn="tl" rotWithShape="0">
+                    <a:srgbClr val="000000"/>
+                  </a:outerShdw>
+                </a:effectLst>
+              </a:rPr>
+              <a:t>Ross Jennings</a:t>
+            </a:r>
+            <a:endParaRPr lang="en-US" sz="4800" b="1" dirty="0">
+              <a:ln w="17780" cmpd="sng">
+                <a:solidFill>
+                  <a:srgbClr val="FFFFFF"/>
+                </a:solidFill>
+                <a:prstDash val="solid"/>
+                <a:miter lim="800000"/>
+              </a:ln>
+              <a:gradFill rotWithShape="1">
+                <a:gsLst>
+                  <a:gs pos="0">
+                    <a:srgbClr val="000000">
+                      <a:tint val="92000"/>
+                      <a:shade val="100000"/>
+                      <a:satMod val="150000"/>
+                    </a:srgbClr>
+                  </a:gs>
+                  <a:gs pos="49000">
+                    <a:srgbClr val="000000">
+                      <a:tint val="89000"/>
+                      <a:shade val="90000"/>
+                      <a:satMod val="150000"/>
+                    </a:srgbClr>
+                  </a:gs>
+                  <a:gs pos="50000">
+                    <a:srgbClr val="000000">
+                      <a:tint val="100000"/>
+                      <a:shade val="75000"/>
+                      <a:satMod val="150000"/>
+                    </a:srgbClr>
+                  </a:gs>
+                  <a:gs pos="95000">
+                    <a:srgbClr val="000000">
+                      <a:shade val="47000"/>
+                      <a:satMod val="150000"/>
+                    </a:srgbClr>
+                  </a:gs>
+                  <a:gs pos="100000">
+                    <a:srgbClr val="000000">
+                      <a:shade val="39000"/>
+                      <a:satMod val="150000"/>
+                    </a:srgbClr>
+                  </a:gs>
+                </a:gsLst>
+                <a:lin ang="5400000"/>
+              </a:gradFill>
+              <a:effectLst>
+                <a:outerShdw blurRad="50800" algn="tl" rotWithShape="0">
+                  <a:srgbClr val="000000"/>
+                </a:outerShdw>
+              </a:effectLst>
+            </a:endParaRPr>
+          </a:p>
+        </p:txBody>
+      </p:sp>
+    </p:spTree>
+    <p:extLst>
+      <p:ext uri="{BB962C8B-B14F-4D97-AF65-F5344CB8AC3E}">
+        <p14:creationId xmlns:p14="http://schemas.microsoft.com/office/powerpoint/2010/main" val="1411214129"/>
+      </p:ext>
+    </p:extLst>
+  </p:cSld>
+  <p:clrMapOvr>
+    <a:masterClrMapping/>
+  </p:clrMapOvr>
+  <p:timing>
+    <p:tnLst>
+      <p:par>
+        <p:cTn id="1" dur="indefinite" restart="never" nodeType="tmRoot">
+          <p:childTnLst>
+            <p:seq concurrent="1" nextAc="seek">
+              <p:cTn id="2" dur="indefinite" nodeType="mainSeq">
+                <p:childTnLst>
+                  <p:par>
+                    <p:cTn id="3" fill="hold">
+                      <p:stCondLst>
+                        <p:cond delay="indefinite"/>
+                      </p:stCondLst>
+                      <p:childTnLst>
+                        <p:par>
+                          <p:cTn id="4" fill="hold">
+                            <p:stCondLst>
+                              <p:cond delay="0"/>
+                            </p:stCondLst>
+                            <p:childTnLst>
+                              <p:par>
+                                <p:cTn id="5" presetID="1" presetClass="entr" presetSubtype="0" fill="hold" nodeType="clickEffect">
+                                  <p:stCondLst>
+                                    <p:cond delay="0"/>
+                                  </p:stCondLst>
+                                  <p:childTnLst>
+                                    <p:set>
+                                      <p:cBhvr>
+                                        <p:cTn id="6" dur="1" fill="hold">
+                                          <p:stCondLst>
+                                            <p:cond delay="0"/>
+                                          </p:stCondLst>
+                                        </p:cTn>
+                                        <p:tgtEl>
+                                          <p:spTgt spid="5"/>
+                                        </p:tgtEl>
+                                        <p:attrNameLst>
+                                          <p:attrName>style.visibility</p:attrName>
+                                        </p:attrNameLst>
+                                      </p:cBhvr>
+                                      <p:to>
+                                        <p:strVal val="visible"/>
+                                      </p:to>
+                                    </p:set>
+                                  </p:childTnLst>
+                                </p:cTn>
+                              </p:par>
+                            </p:childTnLst>
+                          </p:cTn>
+                        </p:par>
+                      </p:childTnLst>
+                    </p:cTn>
+                  </p:par>
+                  <p:par>
+                    <p:cTn id="7" fill="hold">
+                      <p:stCondLst>
+                        <p:cond delay="indefinite"/>
+                      </p:stCondLst>
+                      <p:childTnLst>
+                        <p:par>
+                          <p:cTn id="8" fill="hold">
+                            <p:stCondLst>
+                              <p:cond delay="0"/>
+                            </p:stCondLst>
+                            <p:childTnLst>
+                              <p:par>
+                                <p:cTn id="9" presetID="1" presetClass="entr" presetSubtype="0" fill="hold" grpId="0" nodeType="clickEffect">
+                                  <p:stCondLst>
+                                    <p:cond delay="0"/>
+                                  </p:stCondLst>
+                                  <p:childTnLst>
+                                    <p:set>
+                                      <p:cBhvr>
+                                        <p:cTn id="10" dur="1" fill="hold">
+                                          <p:stCondLst>
+                                            <p:cond delay="0"/>
+                                          </p:stCondLst>
+                                        </p:cTn>
+                                        <p:tgtEl>
+                                          <p:spTgt spid="6"/>
+                                        </p:tgtEl>
+                                        <p:attrNameLst>
+                                          <p:attrName>style.visibility</p:attrName>
+                                        </p:attrNameLst>
+                                      </p:cBhvr>
+                                      <p:to>
+                                        <p:strVal val="visible"/>
+                                      </p:to>
+                                    </p:set>
+                                  </p:childTnLst>
+                                </p:cTn>
+                              </p:par>
+                            </p:childTnLst>
+                          </p:cTn>
+                        </p:par>
+                      </p:childTnLst>
+                    </p:cTn>
+                  </p:par>
+                </p:childTnLst>
+              </p:cTn>
+              <p:prevCondLst>
+                <p:cond evt="onPrev" delay="0">
+                  <p:tgtEl>
+                    <p:sldTgt/>
+                  </p:tgtEl>
+                </p:cond>
+              </p:prevCondLst>
+              <p:nextCondLst>
+                <p:cond evt="onNext" delay="0">
+                  <p:tgtEl>
+                    <p:sldTgt/>
+                  </p:tgtEl>
+                </p:cond>
+              </p:nextCondLst>
+            </p:seq>
+          </p:childTnLst>
+        </p:cTn>
+      </p:par>
+    </p:tnLst>
+    <p:bldLst>
+      <p:bldP spid="6" grpId="0"/>
+    </p:bldLst>
+  </p:timing>
+</p:sld>
+</file>
+
+<file path=ppt/slides/slide4.xml><?xml version="1.0" encoding="utf-8"?>
+<p:sld xmlns:a="http://schemas.openxmlformats.org/drawingml/2006/main" xmlns:r="http://schemas.openxmlformats.org/officeDocument/2006/relationships" xmlns:p="http://schemas.openxmlformats.org/presentationml/2006/main">
+  <p:cSld>
+    <p:spTree>
+      <p:nvGrpSpPr>
+        <p:cNvPr id="1" name=""/>
+        <p:cNvGrpSpPr/>
+        <p:nvPr/>
+      </p:nvGrpSpPr>
+      <p:grpSpPr>
+        <a:xfrm>
+          <a:off x="0" y="0"/>
+          <a:ext cx="0" cy="0"/>
+          <a:chOff x="0" y="0"/>
+          <a:chExt cx="0" cy="0"/>
+        </a:xfrm>
+      </p:grpSpPr>
+      <p:sp>
+        <p:nvSpPr>
+          <p:cNvPr id="2" name="Title 1"/>
+          <p:cNvSpPr>
+            <a:spLocks noGrp="1"/>
+          </p:cNvSpPr>
+          <p:nvPr>
+            <p:ph type="title"/>
+          </p:nvPr>
+        </p:nvSpPr>
+        <p:spPr/>
+        <p:txBody>
+          <a:bodyPr/>
+          <a:lstStyle/>
+          <a:p>
+            <a:pPr marL="0" indent="0"/>
+            <a:r>
+              <a:rPr lang="en-US" dirty="0"/>
+              <a:t>So who am I?</a:t>
+            </a:r>
+          </a:p>
+        </p:txBody>
+      </p:sp>
+      <p:sp>
+        <p:nvSpPr>
+          <p:cNvPr id="3" name="Content Placeholder 2"/>
+          <p:cNvSpPr>
+            <a:spLocks noGrp="1"/>
+          </p:cNvSpPr>
+          <p:nvPr>
+            <p:ph idx="1"/>
+          </p:nvPr>
+        </p:nvSpPr>
+        <p:spPr/>
+        <p:txBody>
+          <a:bodyPr/>
+          <a:lstStyle/>
+          <a:p>
+            <a:endParaRPr lang="en-US" dirty="0" smtClean="0"/>
+          </a:p>
+          <a:p>
+            <a:endParaRPr lang="en-US" dirty="0"/>
+          </a:p>
+          <a:p>
+            <a:pPr marL="0" indent="0">
+              <a:buNone/>
+            </a:pPr>
+            <a:r>
+              <a:rPr lang="en-US" dirty="0" smtClean="0"/>
+              <a:t>My name is Ross Jennings</a:t>
+            </a:r>
+          </a:p>
+          <a:p>
+            <a:pPr marL="0" indent="0">
+              <a:buNone/>
+            </a:pPr>
+            <a:endParaRPr lang="en-US" dirty="0" smtClean="0"/>
+          </a:p>
+          <a:p>
+            <a:pPr marL="0" indent="0">
+              <a:buNone/>
+            </a:pPr>
+            <a:endParaRPr lang="en-US" dirty="0" smtClean="0"/>
+          </a:p>
+          <a:p>
+            <a:pPr marL="0" indent="0">
+              <a:buNone/>
+            </a:pPr>
+            <a:r>
+              <a:rPr lang="en-US" dirty="0" smtClean="0"/>
+              <a:t>I’m an architect here at Santander Consumer USA</a:t>
+            </a:r>
+          </a:p>
+          <a:p>
+            <a:pPr marL="0" indent="0">
+              <a:buNone/>
+            </a:pPr>
+            <a:endParaRPr lang="en-US" dirty="0" smtClean="0"/>
+          </a:p>
+          <a:p>
+            <a:pPr marL="0" indent="0">
+              <a:buNone/>
+            </a:pPr>
+            <a:endParaRPr lang="en-US" dirty="0" smtClean="0"/>
+          </a:p>
+          <a:p>
+            <a:pPr marL="0" indent="0">
+              <a:buNone/>
+            </a:pPr>
+            <a:r>
+              <a:rPr lang="en-US" dirty="0" smtClean="0"/>
+              <a:t>I blog here: </a:t>
+            </a:r>
+            <a:r>
+              <a:rPr lang="en-US" dirty="0" smtClean="0">
+                <a:hlinkClick r:id="rId2"/>
+              </a:rPr>
+              <a:t>http://smugdeveloper.wordpress.com</a:t>
+            </a:r>
+            <a:endParaRPr lang="en-US" dirty="0" smtClean="0"/>
+          </a:p>
+          <a:p>
+            <a:pPr marL="0" indent="0">
+              <a:buNone/>
+            </a:pPr>
+            <a:r>
+              <a:rPr lang="en-US" sz="1200" dirty="0" smtClean="0"/>
+              <a:t>(my friends in marketing will note the irony here since I fought so valiantly against using </a:t>
+            </a:r>
+            <a:r>
+              <a:rPr lang="en-US" sz="1200" dirty="0" err="1" smtClean="0"/>
+              <a:t>Wordpress</a:t>
+            </a:r>
+            <a:r>
+              <a:rPr lang="en-US" sz="1200" dirty="0" smtClean="0"/>
+              <a:t> in the enterprise)</a:t>
+            </a:r>
+          </a:p>
+          <a:p>
+            <a:pPr marL="0" indent="0">
+              <a:buNone/>
+            </a:pPr>
+            <a:endParaRPr lang="en-US" dirty="0" smtClean="0"/>
+          </a:p>
+          <a:p>
+            <a:pPr marL="0" indent="0">
+              <a:buNone/>
+            </a:pPr>
+            <a:endParaRPr lang="en-US" dirty="0" smtClean="0"/>
+          </a:p>
+          <a:p>
+            <a:pPr marL="0" indent="0">
+              <a:buNone/>
+            </a:pPr>
+            <a:r>
+              <a:rPr lang="en-US" dirty="0" smtClean="0"/>
+              <a:t>My code (and these slides) goes here: </a:t>
+            </a:r>
+            <a:r>
+              <a:rPr lang="en-US" dirty="0" smtClean="0">
+                <a:hlinkClick r:id="rId3"/>
+              </a:rPr>
+              <a:t>http://github.com/staticvoidmain</a:t>
+            </a:r>
+            <a:endParaRPr lang="en-US" dirty="0" smtClean="0"/>
+          </a:p>
+        </p:txBody>
+      </p:sp>
+      <p:sp>
+        <p:nvSpPr>
+          <p:cNvPr id="4" name="Slide Number Placeholder 3"/>
+          <p:cNvSpPr>
+            <a:spLocks noGrp="1"/>
+          </p:cNvSpPr>
+          <p:nvPr>
+            <p:ph type="sldNum" sz="quarter" idx="12"/>
+          </p:nvPr>
+        </p:nvSpPr>
+        <p:spPr/>
+        <p:txBody>
+          <a:bodyPr/>
+          <a:lstStyle/>
+          <a:p>
+            <a:fld id="{FCCE2D2B-FBD0-49C3-932E-69727B9D4F2A}" type="slidenum">
+              <a:rPr lang="en-US" smtClean="0"/>
+              <a:pPr/>
+              <a:t>4</a:t>
+            </a:fld>
+            <a:endParaRPr lang="en-US"/>
+          </a:p>
+        </p:txBody>
+      </p:sp>
+    </p:spTree>
+    <p:extLst>
+      <p:ext uri="{BB962C8B-B14F-4D97-AF65-F5344CB8AC3E}">
+        <p14:creationId xmlns:p14="http://schemas.microsoft.com/office/powerpoint/2010/main" val="2357888082"/>
+      </p:ext>
+    </p:extLst>
+  </p:cSld>
+  <p:clrMapOvr>
+    <a:masterClrMapping/>
+  </p:clrMapOvr>
+  <p:timing>
+    <p:tnLst>
+      <p:par>
+        <p:cTn id="1" dur="indefinite" restart="never" nodeType="tmRoot">
+          <p:childTnLst>
+            <p:seq concurrent="1" nextAc="seek">
+              <p:cTn id="2" dur="indefinite" nodeType="mainSeq">
+                <p:childTnLst>
+                  <p:par>
+                    <p:cTn id="3" fill="hold">
+                      <p:stCondLst>
+                        <p:cond delay="indefinite"/>
+                      </p:stCondLst>
+                      <p:childTnLst>
+                        <p:par>
+                          <p:cTn id="4" fill="hold">
+                            <p:stCondLst>
+                              <p:cond delay="0"/>
+                            </p:stCondLst>
+                            <p:childTnLst>
+                              <p:par>
+                                <p:cTn id="5" presetID="1" presetClass="entr" presetSubtype="0" fill="hold" nodeType="clickEffect">
+                                  <p:stCondLst>
+                                    <p:cond delay="0"/>
+                                  </p:stCondLst>
+                                  <p:childTnLst>
+                                    <p:set>
+                                      <p:cBhvr>
+                                        <p:cTn id="6" dur="1" fill="hold">
+                                          <p:stCondLst>
+                                            <p:cond delay="0"/>
+                                          </p:stCondLst>
+                                        </p:cTn>
+                                        <p:tgtEl>
+                                          <p:spTgt spid="3">
+                                            <p:txEl>
+                                              <p:pRg st="2" end="2"/>
+                                            </p:txEl>
+                                          </p:spTgt>
+                                        </p:tgtEl>
+                                        <p:attrNameLst>
+                                          <p:attrName>style.visibility</p:attrName>
+                                        </p:attrNameLst>
+                                      </p:cBhvr>
+                                      <p:to>
+                                        <p:strVal val="visible"/>
+                                      </p:to>
+                                    </p:set>
+                                  </p:childTnLst>
+                                </p:cTn>
+                              </p:par>
+                            </p:childTnLst>
+                          </p:cTn>
+                        </p:par>
+                      </p:childTnLst>
+                    </p:cTn>
+                  </p:par>
+                  <p:par>
+                    <p:cTn id="7" fill="hold">
+                      <p:stCondLst>
+                        <p:cond delay="indefinite"/>
+                      </p:stCondLst>
+                      <p:childTnLst>
+                        <p:par>
+                          <p:cTn id="8" fill="hold">
+                            <p:stCondLst>
+                              <p:cond delay="0"/>
+                            </p:stCondLst>
+                            <p:childTnLst>
+                              <p:par>
+                                <p:cTn id="9" presetID="1" presetClass="entr" presetSubtype="0" fill="hold" nodeType="clickEffect">
+                                  <p:stCondLst>
+                                    <p:cond delay="0"/>
+                                  </p:stCondLst>
+                                  <p:childTnLst>
+                                    <p:set>
+                                      <p:cBhvr>
+                                        <p:cTn id="10" dur="1" fill="hold">
+                                          <p:stCondLst>
+                                            <p:cond delay="0"/>
+                                          </p:stCondLst>
+                                        </p:cTn>
+                                        <p:tgtEl>
+                                          <p:spTgt spid="3">
+                                            <p:txEl>
+                                              <p:pRg st="5" end="5"/>
+                                            </p:txEl>
+                                          </p:spTgt>
+                                        </p:tgtEl>
+                                        <p:attrNameLst>
+                                          <p:attrName>style.visibility</p:attrName>
+                                        </p:attrNameLst>
+                                      </p:cBhvr>
+                                      <p:to>
+                                        <p:strVal val="visible"/>
+                                      </p:to>
+                                    </p:set>
+                                  </p:childTnLst>
+                                </p:cTn>
+                              </p:par>
+                            </p:childTnLst>
+                          </p:cTn>
+                        </p:par>
+                      </p:childTnLst>
+                    </p:cTn>
+                  </p:par>
+                  <p:par>
+                    <p:cTn id="11" fill="hold">
+                      <p:stCondLst>
+                        <p:cond delay="indefinite"/>
+                      </p:stCondLst>
+                      <p:childTnLst>
+                        <p:par>
+                          <p:cTn id="12" fill="hold">
+                            <p:stCondLst>
+                              <p:cond delay="0"/>
+                            </p:stCondLst>
+                            <p:childTnLst>
+                              <p:par>
+                                <p:cTn id="13" presetID="1" presetClass="entr" presetSubtype="0" fill="hold" nodeType="clickEffect">
+                                  <p:stCondLst>
+                                    <p:cond delay="0"/>
+                                  </p:stCondLst>
+                                  <p:childTnLst>
+                                    <p:set>
+                                      <p:cBhvr>
+                                        <p:cTn id="14" dur="1" fill="hold">
+                                          <p:stCondLst>
+                                            <p:cond delay="0"/>
+                                          </p:stCondLst>
+                                        </p:cTn>
+                                        <p:tgtEl>
+                                          <p:spTgt spid="3">
+                                            <p:txEl>
+                                              <p:pRg st="8" end="8"/>
+                                            </p:txEl>
+                                          </p:spTgt>
+                                        </p:tgtEl>
+                                        <p:attrNameLst>
+                                          <p:attrName>style.visibility</p:attrName>
+                                        </p:attrNameLst>
+                                      </p:cBhvr>
+                                      <p:to>
+                                        <p:strVal val="visible"/>
+                                      </p:to>
+                                    </p:set>
+                                  </p:childTnLst>
+                                </p:cTn>
+                              </p:par>
+                            </p:childTnLst>
+                          </p:cTn>
+                        </p:par>
+                      </p:childTnLst>
+                    </p:cTn>
+                  </p:par>
+                  <p:par>
+                    <p:cTn id="15" fill="hold">
+                      <p:stCondLst>
+                        <p:cond delay="indefinite"/>
+                      </p:stCondLst>
+                      <p:childTnLst>
+                        <p:par>
+                          <p:cTn id="16" fill="hold">
+                            <p:stCondLst>
+                              <p:cond delay="0"/>
+                            </p:stCondLst>
+                            <p:childTnLst>
+                              <p:par>
+                                <p:cTn id="17" presetID="1" presetClass="entr" presetSubtype="0" fill="hold" nodeType="clickEffect">
+                                  <p:stCondLst>
+                                    <p:cond delay="0"/>
+                                  </p:stCondLst>
+                                  <p:childTnLst>
+                                    <p:set>
+                                      <p:cBhvr>
+                                        <p:cTn id="18" dur="1" fill="hold">
+                                          <p:stCondLst>
+                                            <p:cond delay="0"/>
+                                          </p:stCondLst>
+                                        </p:cTn>
+                                        <p:tgtEl>
+                                          <p:spTgt spid="3">
+                                            <p:txEl>
+                                              <p:pRg st="9" end="9"/>
+                                            </p:txEl>
+                                          </p:spTgt>
+                                        </p:tgtEl>
+                                        <p:attrNameLst>
+                                          <p:attrName>style.visibility</p:attrName>
+                                        </p:attrNameLst>
+                                      </p:cBhvr>
+                                      <p:to>
+                                        <p:strVal val="visible"/>
+                                      </p:to>
+                                    </p:set>
+                                  </p:childTnLst>
+                                </p:cTn>
+                              </p:par>
+                            </p:childTnLst>
+                          </p:cTn>
+                        </p:par>
+                      </p:childTnLst>
+                    </p:cTn>
+                  </p:par>
+                  <p:par>
+                    <p:cTn id="19" fill="hold">
+                      <p:stCondLst>
+                        <p:cond delay="indefinite"/>
+                      </p:stCondLst>
+                      <p:childTnLst>
+                        <p:par>
+                          <p:cTn id="20" fill="hold">
+                            <p:stCondLst>
+                              <p:cond delay="0"/>
+                            </p:stCondLst>
+                            <p:childTnLst>
+                              <p:par>
+                                <p:cTn id="21" presetID="1" presetClass="entr" presetSubtype="0" fill="hold" nodeType="clickEffect">
+                                  <p:stCondLst>
+                                    <p:cond delay="0"/>
+                                  </p:stCondLst>
+                                  <p:childTnLst>
+                                    <p:set>
+                                      <p:cBhvr>
+                                        <p:cTn id="22" dur="1" fill="hold">
+                                          <p:stCondLst>
+                                            <p:cond delay="0"/>
+                                          </p:stCondLst>
+                                        </p:cTn>
+                                        <p:tgtEl>
+                                          <p:spTgt spid="3">
+                                            <p:txEl>
+                                              <p:pRg st="12" end="12"/>
+                                            </p:txEl>
+                                          </p:spTgt>
+                                        </p:tgtEl>
+                                        <p:attrNameLst>
+                                          <p:attrName>style.visibility</p:attrName>
+                                        </p:attrNameLst>
+                                      </p:cBhvr>
+                                      <p:to>
+                                        <p:strVal val="visible"/>
+                                      </p:to>
+                                    </p:set>
+                                  </p:childTnLst>
+                                </p:cTn>
+                              </p:par>
+                            </p:childTnLst>
+                          </p:cTn>
+                        </p:par>
+                      </p:childTnLst>
+                    </p:cTn>
+                  </p:par>
+                </p:childTnLst>
+              </p:cTn>
+              <p:prevCondLst>
+                <p:cond evt="onPrev" delay="0">
+                  <p:tgtEl>
+                    <p:sldTgt/>
+                  </p:tgtEl>
+                </p:cond>
+              </p:prevCondLst>
+              <p:nextCondLst>
+                <p:cond evt="onNext" delay="0">
+                  <p:tgtEl>
+                    <p:sldTgt/>
+                  </p:tgtEl>
+                </p:cond>
+              </p:nextCondLst>
+            </p:seq>
+          </p:childTnLst>
+        </p:cTn>
+      </p:par>
+    </p:tnLst>
+  </p:timing>
+</p:sld>
+</file>
+
+<file path=ppt/slides/slide5.xml><?xml version="1.0" encoding="utf-8"?>
 <p:sld xmlns:a="http://schemas.openxmlformats.org/drawingml/2006/main" xmlns:r="http://schemas.openxmlformats.org/officeDocument/2006/relationships" xmlns:p="http://schemas.openxmlformats.org/presentationml/2006/main">
   <p:cSld>
     <p:spTree>
@@ -2862,7 +4804,7 @@
             <a:fld id="{FCCE2D2B-FBD0-49C3-932E-69727B9D4F2A}" type="slidenum">
               <a:rPr lang="en-US" smtClean="0"/>
               <a:pPr/>
-              <a:t>2</a:t>
+              <a:t>5</a:t>
             </a:fld>
             <a:endParaRPr lang="en-US"/>
           </a:p>
@@ -3194,7 +5136,7 @@
 </p:sld>
 </file>
 
-<file path=ppt/slides/slide3.xml><?xml version="1.0" encoding="utf-8"?>
+<file path=ppt/slides/slide6.xml><?xml version="1.0" encoding="utf-8"?>
 <p:sld xmlns:a="http://schemas.openxmlformats.org/drawingml/2006/main" xmlns:r="http://schemas.openxmlformats.org/officeDocument/2006/relationships" xmlns:p="http://schemas.openxmlformats.org/presentationml/2006/main">
   <p:cSld>
     <p:spTree>
@@ -3281,7 +5223,7 @@
             <a:fld id="{FCCE2D2B-FBD0-49C3-932E-69727B9D4F2A}" type="slidenum">
               <a:rPr lang="en-US" smtClean="0"/>
               <a:pPr/>
-              <a:t>3</a:t>
+              <a:t>6</a:t>
             </a:fld>
             <a:endParaRPr lang="en-US"/>
           </a:p>
@@ -3307,7 +5249,7 @@
 </p:sld>
 </file>
 
-<file path=ppt/slides/slide4.xml><?xml version="1.0" encoding="utf-8"?>
+<file path=ppt/slides/slide7.xml><?xml version="1.0" encoding="utf-8"?>
 <p:sld xmlns:a="http://schemas.openxmlformats.org/drawingml/2006/main" xmlns:r="http://schemas.openxmlformats.org/officeDocument/2006/relationships" xmlns:p="http://schemas.openxmlformats.org/presentationml/2006/main">
   <p:cSld>
     <p:spTree>
@@ -3449,7 +5391,7 @@
             <a:fld id="{FCCE2D2B-FBD0-49C3-932E-69727B9D4F2A}" type="slidenum">
               <a:rPr lang="en-US" smtClean="0"/>
               <a:pPr/>
-              <a:t>4</a:t>
+              <a:t>7</a:t>
             </a:fld>
             <a:endParaRPr lang="en-US"/>
           </a:p>
@@ -3731,7 +5673,7 @@
 </p:sld>
 </file>
 
-<file path=ppt/slides/slide5.xml><?xml version="1.0" encoding="utf-8"?>
+<file path=ppt/slides/slide8.xml><?xml version="1.0" encoding="utf-8"?>
 <p:sld xmlns:a="http://schemas.openxmlformats.org/drawingml/2006/main" xmlns:r="http://schemas.openxmlformats.org/officeDocument/2006/relationships" xmlns:p="http://schemas.openxmlformats.org/presentationml/2006/main">
   <p:cSld>
     <p:spTree>
@@ -3915,7 +5857,7 @@
             <a:fld id="{FCCE2D2B-FBD0-49C3-932E-69727B9D4F2A}" type="slidenum">
               <a:rPr lang="en-US" smtClean="0"/>
               <a:pPr/>
-              <a:t>5</a:t>
+              <a:t>8</a:t>
             </a:fld>
             <a:endParaRPr lang="en-US"/>
           </a:p>
@@ -4148,7 +6090,7 @@
 </p:sld>
 </file>
 
-<file path=ppt/slides/slide6.xml><?xml version="1.0" encoding="utf-8"?>
+<file path=ppt/slides/slide9.xml><?xml version="1.0" encoding="utf-8"?>
 <p:sld xmlns:a="http://schemas.openxmlformats.org/drawingml/2006/main" xmlns:r="http://schemas.openxmlformats.org/officeDocument/2006/relationships" xmlns:p="http://schemas.openxmlformats.org/presentationml/2006/main">
   <p:cSld>
     <p:spTree>
@@ -4327,7 +6269,7 @@
             <a:fld id="{FCCE2D2B-FBD0-49C3-932E-69727B9D4F2A}" type="slidenum">
               <a:rPr lang="en-US" smtClean="0"/>
               <a:pPr/>
-              <a:t>6</a:t>
+              <a:t>9</a:t>
             </a:fld>
             <a:endParaRPr lang="en-US"/>
           </a:p>
@@ -4814,446 +6756,6 @@
     <p:bldLst>
       <p:bldP spid="3" grpId="0" uiExpand="1" build="p"/>
     </p:bldLst>
-  </p:timing>
-</p:sld>
-</file>
-
-<file path=ppt/slides/slide7.xml><?xml version="1.0" encoding="utf-8"?>
-<p:sld xmlns:a="http://schemas.openxmlformats.org/drawingml/2006/main" xmlns:r="http://schemas.openxmlformats.org/officeDocument/2006/relationships" xmlns:p="http://schemas.openxmlformats.org/presentationml/2006/main">
-  <p:cSld>
-    <p:spTree>
-      <p:nvGrpSpPr>
-        <p:cNvPr id="1" name=""/>
-        <p:cNvGrpSpPr/>
-        <p:nvPr/>
-      </p:nvGrpSpPr>
-      <p:grpSpPr>
-        <a:xfrm>
-          <a:off x="0" y="0"/>
-          <a:ext cx="0" cy="0"/>
-          <a:chOff x="0" y="0"/>
-          <a:chExt cx="0" cy="0"/>
-        </a:xfrm>
-      </p:grpSpPr>
-      <p:sp>
-        <p:nvSpPr>
-          <p:cNvPr id="2" name="Title 1"/>
-          <p:cNvSpPr>
-            <a:spLocks noGrp="1"/>
-          </p:cNvSpPr>
-          <p:nvPr>
-            <p:ph type="title"/>
-          </p:nvPr>
-        </p:nvSpPr>
-        <p:spPr/>
-        <p:txBody>
-          <a:bodyPr/>
-          <a:lstStyle/>
-          <a:p>
-            <a:r>
-              <a:rPr lang="en-US" dirty="0" smtClean="0"/>
-              <a:t>Demo #2: Who moved my cheese?</a:t>
-            </a:r>
-            <a:endParaRPr lang="en-US" dirty="0"/>
-          </a:p>
-        </p:txBody>
-      </p:sp>
-      <p:sp>
-        <p:nvSpPr>
-          <p:cNvPr id="3" name="Content Placeholder 2"/>
-          <p:cNvSpPr>
-            <a:spLocks noGrp="1"/>
-          </p:cNvSpPr>
-          <p:nvPr>
-            <p:ph idx="1"/>
-          </p:nvPr>
-        </p:nvSpPr>
-        <p:spPr/>
-        <p:txBody>
-          <a:bodyPr/>
-          <a:lstStyle/>
-          <a:p>
-            <a:endParaRPr lang="en-US" dirty="0" smtClean="0"/>
-          </a:p>
-          <a:p>
-            <a:r>
-              <a:rPr lang="en-US" dirty="0" smtClean="0"/>
-              <a:t>This demo illustrates some basic concurrency problems and how to mitigate them.</a:t>
-            </a:r>
-          </a:p>
-          <a:p>
-            <a:endParaRPr lang="en-US" dirty="0"/>
-          </a:p>
-          <a:p>
-            <a:r>
-              <a:rPr lang="en-US" dirty="0" smtClean="0"/>
-              <a:t>Synchronization primitives:</a:t>
-            </a:r>
-          </a:p>
-          <a:p>
-            <a:pPr lvl="1"/>
-            <a:r>
-              <a:rPr lang="en-US" dirty="0" smtClean="0"/>
-              <a:t>Locks (</a:t>
-            </a:r>
-            <a:r>
-              <a:rPr lang="en-US" dirty="0" err="1" smtClean="0"/>
-              <a:t>Mutex</a:t>
-            </a:r>
-            <a:r>
-              <a:rPr lang="en-US" dirty="0" smtClean="0"/>
-              <a:t>) – </a:t>
-            </a:r>
-            <a:r>
-              <a:rPr lang="en-US" b="1" dirty="0" smtClean="0"/>
-              <a:t>Mut</a:t>
-            </a:r>
-            <a:r>
-              <a:rPr lang="en-US" dirty="0" smtClean="0"/>
-              <a:t>ual </a:t>
-            </a:r>
-            <a:r>
-              <a:rPr lang="en-US" b="1" dirty="0" smtClean="0"/>
-              <a:t>Ex</a:t>
-            </a:r>
-            <a:r>
-              <a:rPr lang="en-US" dirty="0" smtClean="0"/>
-              <a:t>clusion primitive. Only one thread can own the block at any one time.</a:t>
-            </a:r>
-            <a:endParaRPr lang="en-US" b="1" dirty="0" smtClean="0"/>
-          </a:p>
-          <a:p>
-            <a:pPr lvl="1"/>
-            <a:r>
-              <a:rPr lang="en-US" dirty="0" err="1" smtClean="0"/>
-              <a:t>ReaderWriterLockSlim</a:t>
-            </a:r>
-            <a:r>
-              <a:rPr lang="en-US" dirty="0" smtClean="0"/>
-              <a:t> – Different locking levels based on intent. Readers won’t block other readers, but writers will block both readers and other writers.</a:t>
-            </a:r>
-          </a:p>
-          <a:p>
-            <a:pPr lvl="1"/>
-            <a:r>
-              <a:rPr lang="en-US" dirty="0" err="1" smtClean="0"/>
-              <a:t>SemaphoreSlim</a:t>
-            </a:r>
-            <a:r>
-              <a:rPr lang="en-US" dirty="0" smtClean="0"/>
-              <a:t> – Restricts the number of concurrent </a:t>
-            </a:r>
-          </a:p>
-          <a:p>
-            <a:pPr lvl="1"/>
-            <a:r>
-              <a:rPr lang="en-US" dirty="0" err="1" smtClean="0"/>
-              <a:t>SpinWait</a:t>
-            </a:r>
-            <a:r>
-              <a:rPr lang="en-US" dirty="0" smtClean="0"/>
-              <a:t> – Busy-wait instead of yielding a processor time-slice to another thread.</a:t>
-            </a:r>
-          </a:p>
-          <a:p>
-            <a:pPr lvl="1"/>
-            <a:endParaRPr lang="en-US" dirty="0" smtClean="0"/>
-          </a:p>
-          <a:p>
-            <a:r>
-              <a:rPr lang="en-US" dirty="0" smtClean="0"/>
-              <a:t>There are lots more, but these are the most common.</a:t>
-            </a:r>
-          </a:p>
-          <a:p>
-            <a:pPr lvl="1"/>
-            <a:endParaRPr lang="en-US" dirty="0" smtClean="0"/>
-          </a:p>
-        </p:txBody>
-      </p:sp>
-      <p:sp>
-        <p:nvSpPr>
-          <p:cNvPr id="4" name="Slide Number Placeholder 3"/>
-          <p:cNvSpPr>
-            <a:spLocks noGrp="1"/>
-          </p:cNvSpPr>
-          <p:nvPr>
-            <p:ph type="sldNum" sz="quarter" idx="12"/>
-          </p:nvPr>
-        </p:nvSpPr>
-        <p:spPr/>
-        <p:txBody>
-          <a:bodyPr/>
-          <a:lstStyle/>
-          <a:p>
-            <a:fld id="{FCCE2D2B-FBD0-49C3-932E-69727B9D4F2A}" type="slidenum">
-              <a:rPr lang="en-US" smtClean="0"/>
-              <a:pPr/>
-              <a:t>7</a:t>
-            </a:fld>
-            <a:endParaRPr lang="en-US"/>
-          </a:p>
-        </p:txBody>
-      </p:sp>
-    </p:spTree>
-    <p:extLst>
-      <p:ext uri="{BB962C8B-B14F-4D97-AF65-F5344CB8AC3E}">
-        <p14:creationId xmlns:p14="http://schemas.microsoft.com/office/powerpoint/2010/main" val="1343707259"/>
-      </p:ext>
-    </p:extLst>
-  </p:cSld>
-  <p:clrMapOvr>
-    <a:masterClrMapping/>
-  </p:clrMapOvr>
-  <p:timing>
-    <p:tnLst>
-      <p:par>
-        <p:cTn id="1" dur="indefinite" restart="never" nodeType="tmRoot"/>
-      </p:par>
-    </p:tnLst>
-  </p:timing>
-</p:sld>
-</file>
-
-<file path=ppt/slides/slide8.xml><?xml version="1.0" encoding="utf-8"?>
-<p:sld xmlns:a="http://schemas.openxmlformats.org/drawingml/2006/main" xmlns:r="http://schemas.openxmlformats.org/officeDocument/2006/relationships" xmlns:p="http://schemas.openxmlformats.org/presentationml/2006/main">
-  <p:cSld>
-    <p:spTree>
-      <p:nvGrpSpPr>
-        <p:cNvPr id="1" name=""/>
-        <p:cNvGrpSpPr/>
-        <p:nvPr/>
-      </p:nvGrpSpPr>
-      <p:grpSpPr>
-        <a:xfrm>
-          <a:off x="0" y="0"/>
-          <a:ext cx="0" cy="0"/>
-          <a:chOff x="0" y="0"/>
-          <a:chExt cx="0" cy="0"/>
-        </a:xfrm>
-      </p:grpSpPr>
-      <p:sp>
-        <p:nvSpPr>
-          <p:cNvPr id="2" name="Title 1"/>
-          <p:cNvSpPr>
-            <a:spLocks noGrp="1"/>
-          </p:cNvSpPr>
-          <p:nvPr>
-            <p:ph type="title"/>
-          </p:nvPr>
-        </p:nvSpPr>
-        <p:spPr/>
-        <p:txBody>
-          <a:bodyPr/>
-          <a:lstStyle/>
-          <a:p>
-            <a:r>
-              <a:rPr lang="en-US" dirty="0" smtClean="0"/>
-              <a:t>Demo #3: SPEEEEEEEED</a:t>
-            </a:r>
-            <a:endParaRPr lang="en-US" dirty="0"/>
-          </a:p>
-        </p:txBody>
-      </p:sp>
-      <p:sp>
-        <p:nvSpPr>
-          <p:cNvPr id="3" name="Content Placeholder 2"/>
-          <p:cNvSpPr>
-            <a:spLocks noGrp="1"/>
-          </p:cNvSpPr>
-          <p:nvPr>
-            <p:ph idx="1"/>
-          </p:nvPr>
-        </p:nvSpPr>
-        <p:spPr/>
-        <p:txBody>
-          <a:bodyPr/>
-          <a:lstStyle/>
-          <a:p>
-            <a:endParaRPr lang="en-US" dirty="0"/>
-          </a:p>
-        </p:txBody>
-      </p:sp>
-      <p:sp>
-        <p:nvSpPr>
-          <p:cNvPr id="4" name="Slide Number Placeholder 3"/>
-          <p:cNvSpPr>
-            <a:spLocks noGrp="1"/>
-          </p:cNvSpPr>
-          <p:nvPr>
-            <p:ph type="sldNum" sz="quarter" idx="12"/>
-          </p:nvPr>
-        </p:nvSpPr>
-        <p:spPr/>
-        <p:txBody>
-          <a:bodyPr/>
-          <a:lstStyle/>
-          <a:p>
-            <a:fld id="{FCCE2D2B-FBD0-49C3-932E-69727B9D4F2A}" type="slidenum">
-              <a:rPr lang="en-US" smtClean="0"/>
-              <a:pPr/>
-              <a:t>8</a:t>
-            </a:fld>
-            <a:endParaRPr lang="en-US"/>
-          </a:p>
-        </p:txBody>
-      </p:sp>
-    </p:spTree>
-    <p:extLst>
-      <p:ext uri="{BB962C8B-B14F-4D97-AF65-F5344CB8AC3E}">
-        <p14:creationId xmlns:p14="http://schemas.microsoft.com/office/powerpoint/2010/main" val="2168402182"/>
-      </p:ext>
-    </p:extLst>
-  </p:cSld>
-  <p:clrMapOvr>
-    <a:masterClrMapping/>
-  </p:clrMapOvr>
-  <p:timing>
-    <p:tnLst>
-      <p:par>
-        <p:cTn id="1" dur="indefinite" restart="never" nodeType="tmRoot"/>
-      </p:par>
-    </p:tnLst>
-  </p:timing>
-</p:sld>
-</file>
-
-<file path=ppt/slides/slide9.xml><?xml version="1.0" encoding="utf-8"?>
-<p:sld xmlns:a="http://schemas.openxmlformats.org/drawingml/2006/main" xmlns:r="http://schemas.openxmlformats.org/officeDocument/2006/relationships" xmlns:p="http://schemas.openxmlformats.org/presentationml/2006/main">
-  <p:cSld>
-    <p:spTree>
-      <p:nvGrpSpPr>
-        <p:cNvPr id="1" name=""/>
-        <p:cNvGrpSpPr/>
-        <p:nvPr/>
-      </p:nvGrpSpPr>
-      <p:grpSpPr>
-        <a:xfrm>
-          <a:off x="0" y="0"/>
-          <a:ext cx="0" cy="0"/>
-          <a:chOff x="0" y="0"/>
-          <a:chExt cx="0" cy="0"/>
-        </a:xfrm>
-      </p:grpSpPr>
-      <p:sp>
-        <p:nvSpPr>
-          <p:cNvPr id="5" name="TextBox 4"/>
-          <p:cNvSpPr txBox="1"/>
-          <p:nvPr/>
-        </p:nvSpPr>
-        <p:spPr>
-          <a:xfrm>
-            <a:off x="2967037" y="4114800"/>
-            <a:ext cx="2929007" cy="1107996"/>
-          </a:xfrm>
-          <a:prstGeom prst="rect">
-            <a:avLst/>
-          </a:prstGeom>
-          <a:noFill/>
-        </p:spPr>
-        <p:txBody>
-          <a:bodyPr wrap="none" rtlCol="0">
-            <a:spAutoFit/>
-          </a:bodyPr>
-          <a:lstStyle/>
-          <a:p>
-            <a:r>
-              <a:rPr lang="en-US" sz="6600" dirty="0" smtClean="0">
-                <a:solidFill>
-                  <a:schemeClr val="accent4">
-                    <a:lumMod val="75000"/>
-                  </a:schemeClr>
-                </a:solidFill>
-              </a:rPr>
-              <a:t>Thanks!</a:t>
-            </a:r>
-            <a:endParaRPr lang="en-US" sz="6600" dirty="0">
-              <a:solidFill>
-                <a:schemeClr val="accent4">
-                  <a:lumMod val="75000"/>
-                </a:schemeClr>
-              </a:solidFill>
-            </a:endParaRPr>
-          </a:p>
-        </p:txBody>
-      </p:sp>
-      <p:sp>
-        <p:nvSpPr>
-          <p:cNvPr id="2" name="TextBox 1"/>
-          <p:cNvSpPr txBox="1"/>
-          <p:nvPr/>
-        </p:nvSpPr>
-        <p:spPr>
-          <a:xfrm>
-            <a:off x="1828800" y="1786414"/>
-            <a:ext cx="4987263" cy="369332"/>
-          </a:xfrm>
-          <a:prstGeom prst="rect">
-            <a:avLst/>
-          </a:prstGeom>
-          <a:noFill/>
-        </p:spPr>
-        <p:txBody>
-          <a:bodyPr wrap="none" rtlCol="0" anchor="ctr">
-            <a:spAutoFit/>
-          </a:bodyPr>
-          <a:lstStyle/>
-          <a:p>
-            <a:r>
-              <a:rPr lang="en-US" dirty="0" smtClean="0"/>
-              <a:t>For further reading, check out the PFX team blog:</a:t>
-            </a:r>
-            <a:endParaRPr lang="en-US" dirty="0"/>
-          </a:p>
-        </p:txBody>
-      </p:sp>
-      <p:sp>
-        <p:nvSpPr>
-          <p:cNvPr id="3" name="Rectangle 2"/>
-          <p:cNvSpPr/>
-          <p:nvPr/>
-        </p:nvSpPr>
-        <p:spPr>
-          <a:xfrm>
-            <a:off x="2006488" y="2274332"/>
-            <a:ext cx="4631885" cy="461665"/>
-          </a:xfrm>
-          <a:prstGeom prst="rect">
-            <a:avLst/>
-          </a:prstGeom>
-        </p:spPr>
-        <p:txBody>
-          <a:bodyPr wrap="square" anchor="ctr">
-            <a:spAutoFit/>
-          </a:bodyPr>
-          <a:lstStyle/>
-          <a:p>
-            <a:r>
-              <a:rPr lang="en-US" sz="2400" dirty="0">
-                <a:hlinkClick r:id="rId2"/>
-              </a:rPr>
-              <a:t>http://blogs.msdn.com/b/pfxteam/</a:t>
-            </a:r>
-            <a:endParaRPr lang="en-US" sz="2400" dirty="0"/>
-          </a:p>
-        </p:txBody>
-      </p:sp>
-    </p:spTree>
-    <p:extLst>
-      <p:ext uri="{BB962C8B-B14F-4D97-AF65-F5344CB8AC3E}">
-        <p14:creationId xmlns:p14="http://schemas.microsoft.com/office/powerpoint/2010/main" val="3746776405"/>
-      </p:ext>
-    </p:extLst>
-  </p:cSld>
-  <p:clrMapOvr>
-    <a:masterClrMapping/>
-  </p:clrMapOvr>
-  <p:timing>
-    <p:tnLst>
-      <p:par>
-        <p:cTn id="1" dur="indefinite" restart="never" nodeType="tmRoot"/>
-      </p:par>
-    </p:tnLst>
   </p:timing>
 </p:sld>
 </file>

--- a/slides/scusaConf2013_concurrent.pptx
+++ b/slides/scusaConf2013_concurrent.pptx
@@ -5,7 +5,7 @@
     <p:sldMasterId id="2147483648" r:id="rId1"/>
   </p:sldMasterIdLst>
   <p:notesMasterIdLst>
-    <p:notesMasterId r:id="rId14"/>
+    <p:notesMasterId r:id="rId15"/>
   </p:notesMasterIdLst>
   <p:sldIdLst>
     <p:sldId id="256" r:id="rId2"/>
@@ -17,9 +17,10 @@
     <p:sldId id="262" r:id="rId8"/>
     <p:sldId id="263" r:id="rId9"/>
     <p:sldId id="264" r:id="rId10"/>
-    <p:sldId id="265" r:id="rId11"/>
-    <p:sldId id="266" r:id="rId12"/>
-    <p:sldId id="260" r:id="rId13"/>
+    <p:sldId id="270" r:id="rId11"/>
+    <p:sldId id="265" r:id="rId12"/>
+    <p:sldId id="266" r:id="rId13"/>
+    <p:sldId id="260" r:id="rId14"/>
   </p:sldIdLst>
   <p:sldSz cx="9144000" cy="6858000" type="letter"/>
   <p:notesSz cx="6858000" cy="9144000"/>
@@ -2840,125 +2841,41 @@
           <a:p>
             <a:r>
               <a:rPr lang="en-US" dirty="0" smtClean="0"/>
-              <a:t>Demo #2: Who moved my cheese?</a:t>
+              <a:t>I just thought this was hilarious and had to add it.</a:t>
             </a:r>
             <a:endParaRPr lang="en-US" dirty="0"/>
           </a:p>
         </p:txBody>
       </p:sp>
-      <p:sp>
-        <p:nvSpPr>
-          <p:cNvPr id="3" name="Content Placeholder 2"/>
-          <p:cNvSpPr>
-            <a:spLocks noGrp="1"/>
-          </p:cNvSpPr>
+      <p:pic>
+        <p:nvPicPr>
+          <p:cNvPr id="5" name="Content Placeholder 4"/>
+          <p:cNvPicPr>
+            <a:picLocks noGrp="1" noChangeAspect="1"/>
+          </p:cNvPicPr>
           <p:nvPr>
             <p:ph idx="1"/>
           </p:nvPr>
-        </p:nvSpPr>
-        <p:spPr/>
-        <p:txBody>
-          <a:bodyPr/>
-          <a:lstStyle/>
-          <a:p>
-            <a:endParaRPr lang="en-US" dirty="0" smtClean="0"/>
-          </a:p>
-          <a:p>
-            <a:r>
-              <a:rPr lang="en-US" dirty="0" smtClean="0"/>
-              <a:t>This demo illustrates some basic concurrency problems and how to mitigate them.</a:t>
-            </a:r>
-          </a:p>
-          <a:p>
-            <a:endParaRPr lang="en-US" dirty="0"/>
-          </a:p>
-          <a:p>
-            <a:r>
-              <a:rPr lang="en-US" dirty="0" smtClean="0"/>
-              <a:t>Synchronization primitives:</a:t>
-            </a:r>
-          </a:p>
-          <a:p>
-            <a:pPr lvl="1"/>
-            <a:r>
-              <a:rPr lang="en-US" dirty="0" smtClean="0"/>
-              <a:t>Locks (</a:t>
-            </a:r>
-            <a:r>
-              <a:rPr lang="en-US" dirty="0" err="1" smtClean="0"/>
-              <a:t>Mutex</a:t>
-            </a:r>
-            <a:r>
-              <a:rPr lang="en-US" dirty="0" smtClean="0"/>
-              <a:t>) – </a:t>
-            </a:r>
-            <a:r>
-              <a:rPr lang="en-US" b="1" dirty="0" smtClean="0"/>
-              <a:t>Mut</a:t>
-            </a:r>
-            <a:r>
-              <a:rPr lang="en-US" dirty="0" smtClean="0"/>
-              <a:t>ual </a:t>
-            </a:r>
-            <a:r>
-              <a:rPr lang="en-US" b="1" dirty="0" smtClean="0"/>
-              <a:t>Ex</a:t>
-            </a:r>
-            <a:r>
-              <a:rPr lang="en-US" dirty="0" smtClean="0"/>
-              <a:t>clusion primitive. Only one thread can own the block at any one time.</a:t>
-            </a:r>
-            <a:endParaRPr lang="en-US" b="1" dirty="0" smtClean="0"/>
-          </a:p>
-          <a:p>
-            <a:pPr lvl="1"/>
-            <a:r>
-              <a:rPr lang="en-US" dirty="0" err="1" smtClean="0"/>
-              <a:t>ReaderWriterLockSlim</a:t>
-            </a:r>
-            <a:r>
-              <a:rPr lang="en-US" dirty="0" smtClean="0"/>
-              <a:t> – Different locking levels based on intent. Readers won’t block other readers, but writers will block both readers and other writers.</a:t>
-            </a:r>
-          </a:p>
-          <a:p>
-            <a:pPr lvl="1"/>
-            <a:r>
-              <a:rPr lang="en-US" dirty="0" err="1" smtClean="0"/>
-              <a:t>SemaphoreSlim</a:t>
-            </a:r>
-            <a:r>
-              <a:rPr lang="en-US" dirty="0" smtClean="0"/>
-              <a:t> – Restricts the number of concurrent </a:t>
-            </a:r>
-          </a:p>
-          <a:p>
-            <a:pPr lvl="1"/>
-            <a:r>
-              <a:rPr lang="en-US" dirty="0" err="1" smtClean="0"/>
-              <a:t>SpinWait</a:t>
-            </a:r>
-            <a:r>
-              <a:rPr lang="en-US" dirty="0" smtClean="0"/>
-              <a:t> – Busy-wait instead of yielding a processor time-slice to another thread.</a:t>
-            </a:r>
-          </a:p>
-          <a:p>
-            <a:pPr lvl="1"/>
-            <a:endParaRPr lang="en-US" dirty="0" smtClean="0"/>
-          </a:p>
-          <a:p>
-            <a:r>
-              <a:rPr lang="en-US" dirty="0" smtClean="0"/>
-              <a:t>There are lots more, but these are the most common.</a:t>
-            </a:r>
-          </a:p>
-          <a:p>
-            <a:pPr lvl="1"/>
-            <a:endParaRPr lang="en-US" dirty="0" smtClean="0"/>
-          </a:p>
-        </p:txBody>
-      </p:sp>
+        </p:nvPicPr>
+        <p:blipFill>
+          <a:blip r:embed="rId2">
+            <a:extLst>
+              <a:ext uri="{28A0092B-C50C-407E-A947-70E740481C1C}">
+                <a14:useLocalDpi xmlns:a14="http://schemas.microsoft.com/office/drawing/2010/main" val="0"/>
+              </a:ext>
+            </a:extLst>
+          </a:blip>
+          <a:stretch>
+            <a:fillRect/>
+          </a:stretch>
+        </p:blipFill>
+        <p:spPr>
+          <a:xfrm>
+            <a:off x="2555045" y="628650"/>
+            <a:ext cx="4262510" cy="5772150"/>
+          </a:xfrm>
+        </p:spPr>
+      </p:pic>
       <p:sp>
         <p:nvSpPr>
           <p:cNvPr id="4" name="Slide Number Placeholder 3"/>
@@ -2986,7 +2903,7 @@
     </p:spTree>
     <p:extLst>
       <p:ext uri="{BB962C8B-B14F-4D97-AF65-F5344CB8AC3E}">
-        <p14:creationId xmlns:p14="http://schemas.microsoft.com/office/powerpoint/2010/main" val="1343707259"/>
+        <p14:creationId xmlns:p14="http://schemas.microsoft.com/office/powerpoint/2010/main" val="3460829261"/>
       </p:ext>
     </p:extLst>
   </p:cSld>
@@ -3037,7 +2954,7 @@
           <a:p>
             <a:r>
               <a:rPr lang="en-US" dirty="0" smtClean="0"/>
-              <a:t>Demo #3: SPEEEEEEEED</a:t>
+              <a:t>Demo #2: Who moved my cheese?</a:t>
             </a:r>
             <a:endParaRPr lang="en-US" dirty="0"/>
           </a:p>
@@ -3061,30 +2978,98 @@
             <a:endParaRPr lang="en-US" dirty="0" smtClean="0"/>
           </a:p>
           <a:p>
+            <a:r>
+              <a:rPr lang="en-US" dirty="0" smtClean="0"/>
+              <a:t>This demo illustrates some basic concurrency problems and how to mitigate them.</a:t>
+            </a:r>
+          </a:p>
+          <a:p>
             <a:endParaRPr lang="en-US" dirty="0"/>
           </a:p>
           <a:p>
             <a:r>
               <a:rPr lang="en-US" dirty="0" smtClean="0"/>
-              <a:t>Hopefully this demo doesn’t break. I threw it together in two days and I may have been trying to hit the </a:t>
-            </a:r>
+              <a:t>Synchronization primitives:</a:t>
+            </a:r>
+          </a:p>
+          <a:p>
+            <a:pPr lvl="1"/>
             <a:r>
               <a:rPr lang="en-US" dirty="0" smtClean="0"/>
-              <a:t>B</a:t>
+              <a:t>Locks (</a:t>
+            </a:r>
+            <a:r>
+              <a:rPr lang="en-US" dirty="0" err="1" smtClean="0"/>
+              <a:t>Mutex</a:t>
             </a:r>
             <a:r>
               <a:rPr lang="en-US" dirty="0" smtClean="0"/>
-              <a:t>allmer peak during most of it.</a:t>
-            </a:r>
-          </a:p>
-          <a:p>
-            <a:endParaRPr lang="en-US" dirty="0"/>
-          </a:p>
-          <a:p>
+              <a:t>) – </a:t>
+            </a:r>
+            <a:r>
+              <a:rPr lang="en-US" b="1" dirty="0" smtClean="0"/>
+              <a:t>Mut</a:t>
+            </a:r>
+            <a:r>
+              <a:rPr lang="en-US" dirty="0" smtClean="0"/>
+              <a:t>ual </a:t>
+            </a:r>
+            <a:r>
+              <a:rPr lang="en-US" b="1" dirty="0" smtClean="0"/>
+              <a:t>Ex</a:t>
+            </a:r>
+            <a:r>
+              <a:rPr lang="en-US" dirty="0" smtClean="0"/>
+              <a:t>clusion primitive. Only one thread can own the block at any one time.</a:t>
+            </a:r>
+            <a:endParaRPr lang="en-US" b="1" dirty="0" smtClean="0"/>
+          </a:p>
+          <a:p>
+            <a:pPr lvl="1"/>
+            <a:r>
+              <a:rPr lang="en-US" dirty="0" err="1" smtClean="0"/>
+              <a:t>ReaderWriterLockSlim</a:t>
+            </a:r>
+            <a:r>
+              <a:rPr lang="en-US" dirty="0" smtClean="0"/>
+              <a:t> – Different locking levels based on intent. Readers won’t block other readers, but writers will block both readers and other writers.</a:t>
+            </a:r>
+          </a:p>
+          <a:p>
+            <a:pPr lvl="1"/>
+            <a:r>
+              <a:rPr lang="en-US" dirty="0" err="1" smtClean="0"/>
+              <a:t>SemaphoreSlim</a:t>
+            </a:r>
+            <a:r>
+              <a:rPr lang="en-US" dirty="0" smtClean="0"/>
+              <a:t> – Restricts the number of concurrent </a:t>
+            </a:r>
+          </a:p>
+          <a:p>
+            <a:pPr lvl="1"/>
+            <a:r>
+              <a:rPr lang="en-US" dirty="0" err="1" smtClean="0"/>
+              <a:t>SpinWait</a:t>
+            </a:r>
+            <a:r>
+              <a:rPr lang="en-US" dirty="0" smtClean="0"/>
+              <a:t> – Busy-wait instead of yielding a processor time-slice to another thread.</a:t>
+            </a:r>
+          </a:p>
+          <a:p>
+            <a:pPr lvl="1"/>
             <a:endParaRPr lang="en-US" dirty="0" smtClean="0"/>
           </a:p>
           <a:p>
-            <a:endParaRPr lang="en-US" dirty="0"/>
+            <a:r>
+              <a:rPr lang="en-US" dirty="0" smtClean="0"/>
+              <a:t>There are lots more, but these are the most common.</a:t>
+            </a:r>
+          </a:p>
+          <a:p>
+            <a:pPr lvl="1"/>
+            <a:endParaRPr lang="en-US" dirty="0" smtClean="0"/>
           </a:p>
         </p:txBody>
       </p:sp>
@@ -3107,6 +3092,135 @@
               <a:rPr lang="en-US" smtClean="0"/>
               <a:pPr/>
               <a:t>11</a:t>
+            </a:fld>
+            <a:endParaRPr lang="en-US"/>
+          </a:p>
+        </p:txBody>
+      </p:sp>
+    </p:spTree>
+    <p:extLst>
+      <p:ext uri="{BB962C8B-B14F-4D97-AF65-F5344CB8AC3E}">
+        <p14:creationId xmlns:p14="http://schemas.microsoft.com/office/powerpoint/2010/main" val="1343707259"/>
+      </p:ext>
+    </p:extLst>
+  </p:cSld>
+  <p:clrMapOvr>
+    <a:masterClrMapping/>
+  </p:clrMapOvr>
+  <p:timing>
+    <p:tnLst>
+      <p:par>
+        <p:cTn id="1" dur="indefinite" restart="never" nodeType="tmRoot"/>
+      </p:par>
+    </p:tnLst>
+  </p:timing>
+</p:sld>
+</file>
+
+<file path=ppt/slides/slide12.xml><?xml version="1.0" encoding="utf-8"?>
+<p:sld xmlns:a="http://schemas.openxmlformats.org/drawingml/2006/main" xmlns:r="http://schemas.openxmlformats.org/officeDocument/2006/relationships" xmlns:p="http://schemas.openxmlformats.org/presentationml/2006/main">
+  <p:cSld>
+    <p:spTree>
+      <p:nvGrpSpPr>
+        <p:cNvPr id="1" name=""/>
+        <p:cNvGrpSpPr/>
+        <p:nvPr/>
+      </p:nvGrpSpPr>
+      <p:grpSpPr>
+        <a:xfrm>
+          <a:off x="0" y="0"/>
+          <a:ext cx="0" cy="0"/>
+          <a:chOff x="0" y="0"/>
+          <a:chExt cx="0" cy="0"/>
+        </a:xfrm>
+      </p:grpSpPr>
+      <p:sp>
+        <p:nvSpPr>
+          <p:cNvPr id="2" name="Title 1"/>
+          <p:cNvSpPr>
+            <a:spLocks noGrp="1"/>
+          </p:cNvSpPr>
+          <p:nvPr>
+            <p:ph type="title"/>
+          </p:nvPr>
+        </p:nvSpPr>
+        <p:spPr/>
+        <p:txBody>
+          <a:bodyPr/>
+          <a:lstStyle/>
+          <a:p>
+            <a:r>
+              <a:rPr lang="en-US" dirty="0" smtClean="0"/>
+              <a:t>Demo #3: SPEEEEEEEED</a:t>
+            </a:r>
+            <a:endParaRPr lang="en-US" dirty="0"/>
+          </a:p>
+        </p:txBody>
+      </p:sp>
+      <p:sp>
+        <p:nvSpPr>
+          <p:cNvPr id="3" name="Content Placeholder 2"/>
+          <p:cNvSpPr>
+            <a:spLocks noGrp="1"/>
+          </p:cNvSpPr>
+          <p:nvPr>
+            <p:ph idx="1"/>
+          </p:nvPr>
+        </p:nvSpPr>
+        <p:spPr/>
+        <p:txBody>
+          <a:bodyPr/>
+          <a:lstStyle/>
+          <a:p>
+            <a:endParaRPr lang="en-US" dirty="0" smtClean="0"/>
+          </a:p>
+          <a:p>
+            <a:endParaRPr lang="en-US" dirty="0"/>
+          </a:p>
+          <a:p>
+            <a:r>
+              <a:rPr lang="en-US" dirty="0" smtClean="0"/>
+              <a:t>Hopefully this demo doesn’t break. I threw it together in two days and I may have been trying to hit the </a:t>
+            </a:r>
+            <a:r>
+              <a:rPr lang="en-US" dirty="0" smtClean="0"/>
+              <a:t>B</a:t>
+            </a:r>
+            <a:r>
+              <a:rPr lang="en-US" dirty="0" smtClean="0"/>
+              <a:t>allmer peak during most of it.</a:t>
+            </a:r>
+          </a:p>
+          <a:p>
+            <a:endParaRPr lang="en-US" dirty="0"/>
+          </a:p>
+          <a:p>
+            <a:endParaRPr lang="en-US" dirty="0" smtClean="0"/>
+          </a:p>
+          <a:p>
+            <a:endParaRPr lang="en-US" dirty="0"/>
+          </a:p>
+        </p:txBody>
+      </p:sp>
+      <p:sp>
+        <p:nvSpPr>
+          <p:cNvPr id="4" name="Slide Number Placeholder 3"/>
+          <p:cNvSpPr>
+            <a:spLocks noGrp="1"/>
+          </p:cNvSpPr>
+          <p:nvPr>
+            <p:ph type="sldNum" sz="quarter" idx="12"/>
+          </p:nvPr>
+        </p:nvSpPr>
+        <p:spPr/>
+        <p:txBody>
+          <a:bodyPr/>
+          <a:lstStyle/>
+          <a:p>
+            <a:fld id="{FCCE2D2B-FBD0-49C3-932E-69727B9D4F2A}" type="slidenum">
+              <a:rPr lang="en-US" smtClean="0"/>
+              <a:pPr/>
+              <a:t>12</a:t>
             </a:fld>
             <a:endParaRPr lang="en-US"/>
           </a:p>
@@ -3282,7 +3396,7 @@
 </p:sld>
 </file>
 
-<file path=ppt/slides/slide12.xml><?xml version="1.0" encoding="utf-8"?>
+<file path=ppt/slides/slide13.xml><?xml version="1.0" encoding="utf-8"?>
 <p:sld xmlns:a="http://schemas.openxmlformats.org/drawingml/2006/main" xmlns:r="http://schemas.openxmlformats.org/officeDocument/2006/relationships" xmlns:p="http://schemas.openxmlformats.org/presentationml/2006/main">
   <p:cSld>
     <p:spTree>
